--- a/TestNG-Session-PB.pptx
+++ b/TestNG-Session-PB.pptx
@@ -5,7 +5,7 @@
     <p:sldMasterId id="2147483666" r:id="rId4"/>
   </p:sldMasterIdLst>
   <p:notesMasterIdLst>
-    <p:notesMasterId r:id="rId25"/>
+    <p:notesMasterId r:id="rId30"/>
   </p:notesMasterIdLst>
   <p:sldIdLst>
     <p:sldId id="538" r:id="rId5"/>
@@ -25,9 +25,14 @@
     <p:sldId id="553" r:id="rId19"/>
     <p:sldId id="554" r:id="rId20"/>
     <p:sldId id="555" r:id="rId21"/>
-    <p:sldId id="540" r:id="rId22"/>
-    <p:sldId id="550" r:id="rId23"/>
-    <p:sldId id="541" r:id="rId24"/>
+    <p:sldId id="558" r:id="rId22"/>
+    <p:sldId id="559" r:id="rId23"/>
+    <p:sldId id="560" r:id="rId24"/>
+    <p:sldId id="561" r:id="rId25"/>
+    <p:sldId id="562" r:id="rId26"/>
+    <p:sldId id="540" r:id="rId27"/>
+    <p:sldId id="550" r:id="rId28"/>
+    <p:sldId id="541" r:id="rId29"/>
   </p:sldIdLst>
   <p:sldSz cx="9144000" cy="6858000" type="screen4x3"/>
   <p:notesSz cx="7315200" cy="9601200"/>
@@ -3329,6 +3334,310 @@
       <dsp:cNvGrpSpPr/>
     </dsp:nvGrpSpPr>
     <dsp:grpSpPr/>
+    <dsp:sp modelId="{B693BEBE-384F-E342-B2BD-62EBAA74DBFF}">
+      <dsp:nvSpPr>
+        <dsp:cNvPr id="0" name=""/>
+        <dsp:cNvSpPr/>
+      </dsp:nvSpPr>
+      <dsp:spPr>
+        <a:xfrm rot="16200000">
+          <a:off x="1124021" y="1272429"/>
+          <a:ext cx="2694393" cy="1646560"/>
+        </a:xfrm>
+        <a:prstGeom prst="round2SameRect">
+          <a:avLst>
+            <a:gd name="adj1" fmla="val 16670"/>
+            <a:gd name="adj2" fmla="val 0"/>
+          </a:avLst>
+        </a:prstGeom>
+        <a:blipFill rotWithShape="0">
+          <a:blip xmlns:r="http://schemas.openxmlformats.org/officeDocument/2006/relationships" r:embed="rId1"/>
+          <a:stretch>
+            <a:fillRect/>
+          </a:stretch>
+        </a:blipFill>
+        <a:ln>
+          <a:noFill/>
+        </a:ln>
+        <a:effectLst>
+          <a:outerShdw blurRad="40000" dist="20000" dir="5400000" rotWithShape="0">
+            <a:srgbClr val="000000">
+              <a:alpha val="38000"/>
+            </a:srgbClr>
+          </a:outerShdw>
+        </a:effectLst>
+        <a:scene3d>
+          <a:camera prst="orthographicFront">
+            <a:rot lat="0" lon="0" rev="0"/>
+          </a:camera>
+          <a:lightRig rig="contrasting" dir="t">
+            <a:rot lat="0" lon="0" rev="1200000"/>
+          </a:lightRig>
+        </a:scene3d>
+        <a:sp3d z="-300000" contourW="19050" prstMaterial="metal">
+          <a:bevelT w="88900" h="203200"/>
+          <a:bevelB w="165100" h="254000"/>
+        </a:sp3d>
+      </dsp:spPr>
+      <dsp:style>
+        <a:lnRef idx="0">
+          <a:scrgbClr r="0" g="0" b="0"/>
+        </a:lnRef>
+        <a:fillRef idx="1">
+          <a:scrgbClr r="0" g="0" b="0"/>
+        </a:fillRef>
+        <a:effectRef idx="1">
+          <a:scrgbClr r="0" g="0" b="0"/>
+        </a:effectRef>
+        <a:fontRef idx="minor"/>
+      </dsp:style>
+      <dsp:txBody>
+        <a:bodyPr spcFirstLastPara="0" vert="horz" wrap="square" lIns="247650" tIns="412750" rIns="371475" bIns="412750" numCol="1" spcCol="1270" anchor="t" anchorCtr="0">
+          <a:noAutofit/>
+        </a:bodyPr>
+        <a:lstStyle/>
+        <a:p>
+          <a:pPr lvl="0" algn="l" defTabSz="2889250">
+            <a:lnSpc>
+              <a:spcPct val="90000"/>
+            </a:lnSpc>
+            <a:spcBef>
+              <a:spcPct val="0"/>
+            </a:spcBef>
+            <a:spcAft>
+              <a:spcPct val="35000"/>
+            </a:spcAft>
+          </a:pPr>
+          <a:r>
+            <a:rPr lang="en-US" sz="6500" kern="1200" dirty="0" smtClean="0"/>
+            <a:t> </a:t>
+          </a:r>
+          <a:endParaRPr lang="en-US" sz="6500" kern="1200" dirty="0"/>
+        </a:p>
+      </dsp:txBody>
+      <dsp:txXfrm rot="5400000">
+        <a:off x="1728331" y="828905"/>
+        <a:ext cx="1566167" cy="2533607"/>
+      </dsp:txXfrm>
+    </dsp:sp>
+    <dsp:sp modelId="{93F125C3-3ADF-1E4D-9139-FE715B24C981}">
+      <dsp:nvSpPr>
+        <dsp:cNvPr id="0" name=""/>
+        <dsp:cNvSpPr/>
+      </dsp:nvSpPr>
+      <dsp:spPr>
+        <a:xfrm rot="5400000">
+          <a:off x="2845349" y="1272429"/>
+          <a:ext cx="2694393" cy="1646560"/>
+        </a:xfrm>
+        <a:prstGeom prst="round2SameRect">
+          <a:avLst>
+            <a:gd name="adj1" fmla="val 16670"/>
+            <a:gd name="adj2" fmla="val 0"/>
+          </a:avLst>
+        </a:prstGeom>
+        <a:blipFill rotWithShape="0">
+          <a:blip xmlns:r="http://schemas.openxmlformats.org/officeDocument/2006/relationships" r:embed="rId2"/>
+          <a:stretch>
+            <a:fillRect/>
+          </a:stretch>
+        </a:blipFill>
+        <a:ln>
+          <a:noFill/>
+        </a:ln>
+        <a:effectLst>
+          <a:outerShdw blurRad="40000" dist="20000" dir="5400000" rotWithShape="0">
+            <a:srgbClr val="000000">
+              <a:alpha val="38000"/>
+            </a:srgbClr>
+          </a:outerShdw>
+        </a:effectLst>
+        <a:scene3d>
+          <a:camera prst="orthographicFront">
+            <a:rot lat="0" lon="0" rev="0"/>
+          </a:camera>
+          <a:lightRig rig="contrasting" dir="t">
+            <a:rot lat="0" lon="0" rev="1200000"/>
+          </a:lightRig>
+        </a:scene3d>
+        <a:sp3d z="-300000" contourW="19050" prstMaterial="metal">
+          <a:bevelT w="88900" h="203200"/>
+          <a:bevelB w="165100" h="254000"/>
+        </a:sp3d>
+      </dsp:spPr>
+      <dsp:style>
+        <a:lnRef idx="0">
+          <a:scrgbClr r="0" g="0" b="0"/>
+        </a:lnRef>
+        <a:fillRef idx="1">
+          <a:scrgbClr r="0" g="0" b="0"/>
+        </a:fillRef>
+        <a:effectRef idx="1">
+          <a:scrgbClr r="0" g="0" b="0"/>
+        </a:effectRef>
+        <a:fontRef idx="minor"/>
+      </dsp:style>
+      <dsp:txBody>
+        <a:bodyPr spcFirstLastPara="0" vert="horz" wrap="square" lIns="371475" tIns="412750" rIns="247650" bIns="412750" numCol="1" spcCol="1270" anchor="t" anchorCtr="0">
+          <a:noAutofit/>
+        </a:bodyPr>
+        <a:lstStyle/>
+        <a:p>
+          <a:pPr lvl="0" algn="l" defTabSz="2889250">
+            <a:lnSpc>
+              <a:spcPct val="90000"/>
+            </a:lnSpc>
+            <a:spcBef>
+              <a:spcPct val="0"/>
+            </a:spcBef>
+            <a:spcAft>
+              <a:spcPct val="35000"/>
+            </a:spcAft>
+          </a:pPr>
+          <a:r>
+            <a:rPr lang="en-US" sz="6500" kern="1200" dirty="0" smtClean="0"/>
+            <a:t> </a:t>
+          </a:r>
+          <a:endParaRPr lang="en-US" sz="6500" kern="1200" dirty="0"/>
+        </a:p>
+      </dsp:txBody>
+      <dsp:txXfrm rot="-5400000">
+        <a:off x="3369266" y="828906"/>
+        <a:ext cx="1566167" cy="2533607"/>
+      </dsp:txXfrm>
+    </dsp:sp>
+    <dsp:sp modelId="{9638A103-6079-2F49-94D7-25DD8C2E3B81}">
+      <dsp:nvSpPr>
+        <dsp:cNvPr id="0" name=""/>
+        <dsp:cNvSpPr/>
+      </dsp:nvSpPr>
+      <dsp:spPr>
+        <a:xfrm>
+          <a:off x="2471050" y="0"/>
+          <a:ext cx="1721327" cy="1721243"/>
+        </a:xfrm>
+        <a:prstGeom prst="circularArrow">
+          <a:avLst>
+            <a:gd name="adj1" fmla="val 12500"/>
+            <a:gd name="adj2" fmla="val 1142322"/>
+            <a:gd name="adj3" fmla="val 20457678"/>
+            <a:gd name="adj4" fmla="val 10800000"/>
+            <a:gd name="adj5" fmla="val 12500"/>
+          </a:avLst>
+        </a:prstGeom>
+        <a:solidFill>
+          <a:schemeClr val="accent1">
+            <a:shade val="50000"/>
+            <a:hueOff val="0"/>
+            <a:satOff val="0"/>
+            <a:lumOff val="0"/>
+            <a:alphaOff val="0"/>
+          </a:schemeClr>
+        </a:solidFill>
+        <a:ln>
+          <a:noFill/>
+        </a:ln>
+        <a:effectLst>
+          <a:outerShdw blurRad="40000" dist="23000" dir="5400000" rotWithShape="0">
+            <a:srgbClr val="000000">
+              <a:alpha val="35000"/>
+            </a:srgbClr>
+          </a:outerShdw>
+        </a:effectLst>
+        <a:scene3d>
+          <a:camera prst="orthographicFront">
+            <a:rot lat="0" lon="0" rev="0"/>
+          </a:camera>
+          <a:lightRig rig="contrasting" dir="t">
+            <a:rot lat="0" lon="0" rev="1200000"/>
+          </a:lightRig>
+        </a:scene3d>
+        <a:sp3d contourW="19050" prstMaterial="metal">
+          <a:bevelT w="88900" h="203200"/>
+          <a:bevelB w="165100" h="254000"/>
+        </a:sp3d>
+      </dsp:spPr>
+      <dsp:style>
+        <a:lnRef idx="0">
+          <a:scrgbClr r="0" g="0" b="0"/>
+        </a:lnRef>
+        <a:fillRef idx="1">
+          <a:scrgbClr r="0" g="0" b="0"/>
+        </a:fillRef>
+        <a:effectRef idx="2">
+          <a:scrgbClr r="0" g="0" b="0"/>
+        </a:effectRef>
+        <a:fontRef idx="minor">
+          <a:schemeClr val="lt1"/>
+        </a:fontRef>
+      </dsp:style>
+    </dsp:sp>
+    <dsp:sp modelId="{972785A7-469F-FA4E-AC0C-858971A1FC62}">
+      <dsp:nvSpPr>
+        <dsp:cNvPr id="0" name=""/>
+        <dsp:cNvSpPr/>
+      </dsp:nvSpPr>
+      <dsp:spPr>
+        <a:xfrm rot="10800000">
+          <a:off x="2471050" y="2469756"/>
+          <a:ext cx="1721327" cy="1721243"/>
+        </a:xfrm>
+        <a:prstGeom prst="circularArrow">
+          <a:avLst>
+            <a:gd name="adj1" fmla="val 12500"/>
+            <a:gd name="adj2" fmla="val 1142322"/>
+            <a:gd name="adj3" fmla="val 20457678"/>
+            <a:gd name="adj4" fmla="val 10800000"/>
+            <a:gd name="adj5" fmla="val 12500"/>
+          </a:avLst>
+        </a:prstGeom>
+        <a:solidFill>
+          <a:schemeClr val="accent1">
+            <a:shade val="50000"/>
+            <a:hueOff val="712220"/>
+            <a:satOff val="-36319"/>
+            <a:lumOff val="49691"/>
+            <a:alphaOff val="0"/>
+          </a:schemeClr>
+        </a:solidFill>
+        <a:ln>
+          <a:noFill/>
+        </a:ln>
+        <a:effectLst>
+          <a:outerShdw blurRad="40000" dist="23000" dir="5400000" rotWithShape="0">
+            <a:srgbClr val="000000">
+              <a:alpha val="35000"/>
+            </a:srgbClr>
+          </a:outerShdw>
+        </a:effectLst>
+        <a:scene3d>
+          <a:camera prst="orthographicFront">
+            <a:rot lat="0" lon="0" rev="0"/>
+          </a:camera>
+          <a:lightRig rig="contrasting" dir="t">
+            <a:rot lat="0" lon="0" rev="1200000"/>
+          </a:lightRig>
+        </a:scene3d>
+        <a:sp3d contourW="19050" prstMaterial="metal">
+          <a:bevelT w="88900" h="203200"/>
+          <a:bevelB w="165100" h="254000"/>
+        </a:sp3d>
+      </dsp:spPr>
+      <dsp:style>
+        <a:lnRef idx="0">
+          <a:scrgbClr r="0" g="0" b="0"/>
+        </a:lnRef>
+        <a:fillRef idx="1">
+          <a:scrgbClr r="0" g="0" b="0"/>
+        </a:fillRef>
+        <a:effectRef idx="2">
+          <a:scrgbClr r="0" g="0" b="0"/>
+        </a:effectRef>
+        <a:fontRef idx="minor">
+          <a:schemeClr val="lt1"/>
+        </a:fontRef>
+      </dsp:style>
+    </dsp:sp>
   </dsp:spTree>
 </dsp:drawing>
 </file>
@@ -3341,6 +3650,1658 @@
       <dsp:cNvGrpSpPr/>
     </dsp:nvGrpSpPr>
     <dsp:grpSpPr/>
+    <dsp:sp modelId="{3785030C-D22D-2F42-ABB8-8728776965F2}">
+      <dsp:nvSpPr>
+        <dsp:cNvPr id="0" name=""/>
+        <dsp:cNvSpPr/>
+      </dsp:nvSpPr>
+      <dsp:spPr>
+        <a:xfrm>
+          <a:off x="149955" y="1717338"/>
+          <a:ext cx="2247580" cy="740680"/>
+        </a:xfrm>
+        <a:prstGeom prst="rect">
+          <a:avLst/>
+        </a:prstGeom>
+        <a:noFill/>
+        <a:ln>
+          <a:noFill/>
+        </a:ln>
+        <a:effectLst/>
+      </dsp:spPr>
+      <dsp:style>
+        <a:lnRef idx="0">
+          <a:scrgbClr r="0" g="0" b="0"/>
+        </a:lnRef>
+        <a:fillRef idx="0">
+          <a:scrgbClr r="0" g="0" b="0"/>
+        </a:fillRef>
+        <a:effectRef idx="0">
+          <a:scrgbClr r="0" g="0" b="0"/>
+        </a:effectRef>
+        <a:fontRef idx="minor"/>
+      </dsp:style>
+      <dsp:txBody>
+        <a:bodyPr spcFirstLastPara="0" vert="horz" wrap="square" lIns="45720" tIns="45720" rIns="45720" bIns="45720" numCol="1" spcCol="1270" anchor="ctr" anchorCtr="0">
+          <a:noAutofit/>
+        </a:bodyPr>
+        <a:lstStyle/>
+        <a:p>
+          <a:pPr lvl="0" algn="ctr" defTabSz="1600200">
+            <a:lnSpc>
+              <a:spcPct val="90000"/>
+            </a:lnSpc>
+            <a:spcBef>
+              <a:spcPct val="0"/>
+            </a:spcBef>
+            <a:spcAft>
+              <a:spcPct val="35000"/>
+            </a:spcAft>
+          </a:pPr>
+          <a:r>
+            <a:rPr lang="en-US" sz="3600" kern="1200" dirty="0" smtClean="0"/>
+            <a:t>Parameter</a:t>
+          </a:r>
+          <a:endParaRPr lang="en-US" sz="3600" kern="1200" dirty="0"/>
+        </a:p>
+      </dsp:txBody>
+      <dsp:txXfrm>
+        <a:off x="149955" y="1717338"/>
+        <a:ext cx="2247580" cy="740680"/>
+      </dsp:txXfrm>
+    </dsp:sp>
+    <dsp:sp modelId="{B7F31AC0-A16E-CE45-9B35-5CE06BF95771}">
+      <dsp:nvSpPr>
+        <dsp:cNvPr id="0" name=""/>
+        <dsp:cNvSpPr/>
+      </dsp:nvSpPr>
+      <dsp:spPr>
+        <a:xfrm>
+          <a:off x="147401" y="1492069"/>
+          <a:ext cx="178784" cy="178784"/>
+        </a:xfrm>
+        <a:prstGeom prst="ellipse">
+          <a:avLst/>
+        </a:prstGeom>
+        <a:gradFill rotWithShape="0">
+          <a:gsLst>
+            <a:gs pos="0">
+              <a:schemeClr val="accent1">
+                <a:hueOff val="0"/>
+                <a:satOff val="0"/>
+                <a:lumOff val="0"/>
+                <a:alphaOff val="0"/>
+                <a:shade val="51000"/>
+                <a:satMod val="130000"/>
+              </a:schemeClr>
+            </a:gs>
+            <a:gs pos="80000">
+              <a:schemeClr val="accent1">
+                <a:hueOff val="0"/>
+                <a:satOff val="0"/>
+                <a:lumOff val="0"/>
+                <a:alphaOff val="0"/>
+                <a:shade val="93000"/>
+                <a:satMod val="130000"/>
+              </a:schemeClr>
+            </a:gs>
+            <a:gs pos="100000">
+              <a:schemeClr val="accent1">
+                <a:hueOff val="0"/>
+                <a:satOff val="0"/>
+                <a:lumOff val="0"/>
+                <a:alphaOff val="0"/>
+                <a:shade val="94000"/>
+                <a:satMod val="135000"/>
+              </a:schemeClr>
+            </a:gs>
+          </a:gsLst>
+          <a:lin ang="16200000" scaled="0"/>
+        </a:gradFill>
+        <a:ln>
+          <a:noFill/>
+        </a:ln>
+        <a:effectLst>
+          <a:outerShdw blurRad="40000" dist="23000" dir="5400000" rotWithShape="0">
+            <a:srgbClr val="000000">
+              <a:alpha val="35000"/>
+            </a:srgbClr>
+          </a:outerShdw>
+        </a:effectLst>
+      </dsp:spPr>
+      <dsp:style>
+        <a:lnRef idx="0">
+          <a:scrgbClr r="0" g="0" b="0"/>
+        </a:lnRef>
+        <a:fillRef idx="3">
+          <a:scrgbClr r="0" g="0" b="0"/>
+        </a:fillRef>
+        <a:effectRef idx="2">
+          <a:scrgbClr r="0" g="0" b="0"/>
+        </a:effectRef>
+        <a:fontRef idx="minor">
+          <a:schemeClr val="lt1"/>
+        </a:fontRef>
+      </dsp:style>
+    </dsp:sp>
+    <dsp:sp modelId="{F4D1F895-CA26-A94A-AE96-8A19C5B22693}">
+      <dsp:nvSpPr>
+        <dsp:cNvPr id="0" name=""/>
+        <dsp:cNvSpPr/>
+      </dsp:nvSpPr>
+      <dsp:spPr>
+        <a:xfrm>
+          <a:off x="272550" y="1241770"/>
+          <a:ext cx="178784" cy="178784"/>
+        </a:xfrm>
+        <a:prstGeom prst="ellipse">
+          <a:avLst/>
+        </a:prstGeom>
+        <a:gradFill rotWithShape="0">
+          <a:gsLst>
+            <a:gs pos="0">
+              <a:schemeClr val="accent1">
+                <a:hueOff val="0"/>
+                <a:satOff val="0"/>
+                <a:lumOff val="0"/>
+                <a:alphaOff val="0"/>
+                <a:shade val="51000"/>
+                <a:satMod val="130000"/>
+              </a:schemeClr>
+            </a:gs>
+            <a:gs pos="80000">
+              <a:schemeClr val="accent1">
+                <a:hueOff val="0"/>
+                <a:satOff val="0"/>
+                <a:lumOff val="0"/>
+                <a:alphaOff val="0"/>
+                <a:shade val="93000"/>
+                <a:satMod val="130000"/>
+              </a:schemeClr>
+            </a:gs>
+            <a:gs pos="100000">
+              <a:schemeClr val="accent1">
+                <a:hueOff val="0"/>
+                <a:satOff val="0"/>
+                <a:lumOff val="0"/>
+                <a:alphaOff val="0"/>
+                <a:shade val="94000"/>
+                <a:satMod val="135000"/>
+              </a:schemeClr>
+            </a:gs>
+          </a:gsLst>
+          <a:lin ang="16200000" scaled="0"/>
+        </a:gradFill>
+        <a:ln>
+          <a:noFill/>
+        </a:ln>
+        <a:effectLst>
+          <a:outerShdw blurRad="40000" dist="23000" dir="5400000" rotWithShape="0">
+            <a:srgbClr val="000000">
+              <a:alpha val="35000"/>
+            </a:srgbClr>
+          </a:outerShdw>
+        </a:effectLst>
+      </dsp:spPr>
+      <dsp:style>
+        <a:lnRef idx="0">
+          <a:scrgbClr r="0" g="0" b="0"/>
+        </a:lnRef>
+        <a:fillRef idx="3">
+          <a:scrgbClr r="0" g="0" b="0"/>
+        </a:fillRef>
+        <a:effectRef idx="2">
+          <a:scrgbClr r="0" g="0" b="0"/>
+        </a:effectRef>
+        <a:fontRef idx="minor">
+          <a:schemeClr val="lt1"/>
+        </a:fontRef>
+      </dsp:style>
+    </dsp:sp>
+    <dsp:sp modelId="{654BB28E-6B80-094F-9FC6-C10AA73229CB}">
+      <dsp:nvSpPr>
+        <dsp:cNvPr id="0" name=""/>
+        <dsp:cNvSpPr/>
+      </dsp:nvSpPr>
+      <dsp:spPr>
+        <a:xfrm>
+          <a:off x="572909" y="1291830"/>
+          <a:ext cx="280947" cy="280947"/>
+        </a:xfrm>
+        <a:prstGeom prst="ellipse">
+          <a:avLst/>
+        </a:prstGeom>
+        <a:gradFill rotWithShape="0">
+          <a:gsLst>
+            <a:gs pos="0">
+              <a:schemeClr val="accent1">
+                <a:hueOff val="0"/>
+                <a:satOff val="0"/>
+                <a:lumOff val="0"/>
+                <a:alphaOff val="0"/>
+                <a:shade val="51000"/>
+                <a:satMod val="130000"/>
+              </a:schemeClr>
+            </a:gs>
+            <a:gs pos="80000">
+              <a:schemeClr val="accent1">
+                <a:hueOff val="0"/>
+                <a:satOff val="0"/>
+                <a:lumOff val="0"/>
+                <a:alphaOff val="0"/>
+                <a:shade val="93000"/>
+                <a:satMod val="130000"/>
+              </a:schemeClr>
+            </a:gs>
+            <a:gs pos="100000">
+              <a:schemeClr val="accent1">
+                <a:hueOff val="0"/>
+                <a:satOff val="0"/>
+                <a:lumOff val="0"/>
+                <a:alphaOff val="0"/>
+                <a:shade val="94000"/>
+                <a:satMod val="135000"/>
+              </a:schemeClr>
+            </a:gs>
+          </a:gsLst>
+          <a:lin ang="16200000" scaled="0"/>
+        </a:gradFill>
+        <a:ln>
+          <a:noFill/>
+        </a:ln>
+        <a:effectLst>
+          <a:outerShdw blurRad="40000" dist="23000" dir="5400000" rotWithShape="0">
+            <a:srgbClr val="000000">
+              <a:alpha val="35000"/>
+            </a:srgbClr>
+          </a:outerShdw>
+        </a:effectLst>
+      </dsp:spPr>
+      <dsp:style>
+        <a:lnRef idx="0">
+          <a:scrgbClr r="0" g="0" b="0"/>
+        </a:lnRef>
+        <a:fillRef idx="3">
+          <a:scrgbClr r="0" g="0" b="0"/>
+        </a:fillRef>
+        <a:effectRef idx="2">
+          <a:scrgbClr r="0" g="0" b="0"/>
+        </a:effectRef>
+        <a:fontRef idx="minor">
+          <a:schemeClr val="lt1"/>
+        </a:fontRef>
+      </dsp:style>
+    </dsp:sp>
+    <dsp:sp modelId="{17819AFC-2CCB-4F40-90CE-4FECE6FC26E7}">
+      <dsp:nvSpPr>
+        <dsp:cNvPr id="0" name=""/>
+        <dsp:cNvSpPr/>
+      </dsp:nvSpPr>
+      <dsp:spPr>
+        <a:xfrm>
+          <a:off x="823208" y="1016502"/>
+          <a:ext cx="178784" cy="178784"/>
+        </a:xfrm>
+        <a:prstGeom prst="ellipse">
+          <a:avLst/>
+        </a:prstGeom>
+        <a:gradFill rotWithShape="0">
+          <a:gsLst>
+            <a:gs pos="0">
+              <a:schemeClr val="accent1">
+                <a:hueOff val="0"/>
+                <a:satOff val="0"/>
+                <a:lumOff val="0"/>
+                <a:alphaOff val="0"/>
+                <a:shade val="51000"/>
+                <a:satMod val="130000"/>
+              </a:schemeClr>
+            </a:gs>
+            <a:gs pos="80000">
+              <a:schemeClr val="accent1">
+                <a:hueOff val="0"/>
+                <a:satOff val="0"/>
+                <a:lumOff val="0"/>
+                <a:alphaOff val="0"/>
+                <a:shade val="93000"/>
+                <a:satMod val="130000"/>
+              </a:schemeClr>
+            </a:gs>
+            <a:gs pos="100000">
+              <a:schemeClr val="accent1">
+                <a:hueOff val="0"/>
+                <a:satOff val="0"/>
+                <a:lumOff val="0"/>
+                <a:alphaOff val="0"/>
+                <a:shade val="94000"/>
+                <a:satMod val="135000"/>
+              </a:schemeClr>
+            </a:gs>
+          </a:gsLst>
+          <a:lin ang="16200000" scaled="0"/>
+        </a:gradFill>
+        <a:ln>
+          <a:noFill/>
+        </a:ln>
+        <a:effectLst>
+          <a:outerShdw blurRad="40000" dist="23000" dir="5400000" rotWithShape="0">
+            <a:srgbClr val="000000">
+              <a:alpha val="35000"/>
+            </a:srgbClr>
+          </a:outerShdw>
+        </a:effectLst>
+      </dsp:spPr>
+      <dsp:style>
+        <a:lnRef idx="0">
+          <a:scrgbClr r="0" g="0" b="0"/>
+        </a:lnRef>
+        <a:fillRef idx="3">
+          <a:scrgbClr r="0" g="0" b="0"/>
+        </a:fillRef>
+        <a:effectRef idx="2">
+          <a:scrgbClr r="0" g="0" b="0"/>
+        </a:effectRef>
+        <a:fontRef idx="minor">
+          <a:schemeClr val="lt1"/>
+        </a:fontRef>
+      </dsp:style>
+    </dsp:sp>
+    <dsp:sp modelId="{66911321-ABD7-A647-BFFE-88F1C2A056E8}">
+      <dsp:nvSpPr>
+        <dsp:cNvPr id="0" name=""/>
+        <dsp:cNvSpPr/>
+      </dsp:nvSpPr>
+      <dsp:spPr>
+        <a:xfrm>
+          <a:off x="1148596" y="916382"/>
+          <a:ext cx="178784" cy="178784"/>
+        </a:xfrm>
+        <a:prstGeom prst="ellipse">
+          <a:avLst/>
+        </a:prstGeom>
+        <a:gradFill rotWithShape="0">
+          <a:gsLst>
+            <a:gs pos="0">
+              <a:schemeClr val="accent1">
+                <a:hueOff val="0"/>
+                <a:satOff val="0"/>
+                <a:lumOff val="0"/>
+                <a:alphaOff val="0"/>
+                <a:shade val="51000"/>
+                <a:satMod val="130000"/>
+              </a:schemeClr>
+            </a:gs>
+            <a:gs pos="80000">
+              <a:schemeClr val="accent1">
+                <a:hueOff val="0"/>
+                <a:satOff val="0"/>
+                <a:lumOff val="0"/>
+                <a:alphaOff val="0"/>
+                <a:shade val="93000"/>
+                <a:satMod val="130000"/>
+              </a:schemeClr>
+            </a:gs>
+            <a:gs pos="100000">
+              <a:schemeClr val="accent1">
+                <a:hueOff val="0"/>
+                <a:satOff val="0"/>
+                <a:lumOff val="0"/>
+                <a:alphaOff val="0"/>
+                <a:shade val="94000"/>
+                <a:satMod val="135000"/>
+              </a:schemeClr>
+            </a:gs>
+          </a:gsLst>
+          <a:lin ang="16200000" scaled="0"/>
+        </a:gradFill>
+        <a:ln>
+          <a:noFill/>
+        </a:ln>
+        <a:effectLst>
+          <a:outerShdw blurRad="40000" dist="23000" dir="5400000" rotWithShape="0">
+            <a:srgbClr val="000000">
+              <a:alpha val="35000"/>
+            </a:srgbClr>
+          </a:outerShdw>
+        </a:effectLst>
+      </dsp:spPr>
+      <dsp:style>
+        <a:lnRef idx="0">
+          <a:scrgbClr r="0" g="0" b="0"/>
+        </a:lnRef>
+        <a:fillRef idx="3">
+          <a:scrgbClr r="0" g="0" b="0"/>
+        </a:fillRef>
+        <a:effectRef idx="2">
+          <a:scrgbClr r="0" g="0" b="0"/>
+        </a:effectRef>
+        <a:fontRef idx="minor">
+          <a:schemeClr val="lt1"/>
+        </a:fontRef>
+      </dsp:style>
+    </dsp:sp>
+    <dsp:sp modelId="{D4E0BDDF-1B81-5748-983A-51123CA1E5A8}">
+      <dsp:nvSpPr>
+        <dsp:cNvPr id="0" name=""/>
+        <dsp:cNvSpPr/>
+      </dsp:nvSpPr>
+      <dsp:spPr>
+        <a:xfrm>
+          <a:off x="1549074" y="1091591"/>
+          <a:ext cx="178784" cy="178784"/>
+        </a:xfrm>
+        <a:prstGeom prst="ellipse">
+          <a:avLst/>
+        </a:prstGeom>
+        <a:gradFill rotWithShape="0">
+          <a:gsLst>
+            <a:gs pos="0">
+              <a:schemeClr val="accent1">
+                <a:hueOff val="0"/>
+                <a:satOff val="0"/>
+                <a:lumOff val="0"/>
+                <a:alphaOff val="0"/>
+                <a:shade val="51000"/>
+                <a:satMod val="130000"/>
+              </a:schemeClr>
+            </a:gs>
+            <a:gs pos="80000">
+              <a:schemeClr val="accent1">
+                <a:hueOff val="0"/>
+                <a:satOff val="0"/>
+                <a:lumOff val="0"/>
+                <a:alphaOff val="0"/>
+                <a:shade val="93000"/>
+                <a:satMod val="130000"/>
+              </a:schemeClr>
+            </a:gs>
+            <a:gs pos="100000">
+              <a:schemeClr val="accent1">
+                <a:hueOff val="0"/>
+                <a:satOff val="0"/>
+                <a:lumOff val="0"/>
+                <a:alphaOff val="0"/>
+                <a:shade val="94000"/>
+                <a:satMod val="135000"/>
+              </a:schemeClr>
+            </a:gs>
+          </a:gsLst>
+          <a:lin ang="16200000" scaled="0"/>
+        </a:gradFill>
+        <a:ln>
+          <a:noFill/>
+        </a:ln>
+        <a:effectLst>
+          <a:outerShdw blurRad="40000" dist="23000" dir="5400000" rotWithShape="0">
+            <a:srgbClr val="000000">
+              <a:alpha val="35000"/>
+            </a:srgbClr>
+          </a:outerShdw>
+        </a:effectLst>
+      </dsp:spPr>
+      <dsp:style>
+        <a:lnRef idx="0">
+          <a:scrgbClr r="0" g="0" b="0"/>
+        </a:lnRef>
+        <a:fillRef idx="3">
+          <a:scrgbClr r="0" g="0" b="0"/>
+        </a:fillRef>
+        <a:effectRef idx="2">
+          <a:scrgbClr r="0" g="0" b="0"/>
+        </a:effectRef>
+        <a:fontRef idx="minor">
+          <a:schemeClr val="lt1"/>
+        </a:fontRef>
+      </dsp:style>
+    </dsp:sp>
+    <dsp:sp modelId="{424FF3B2-4461-C745-94F4-F3F12588A112}">
+      <dsp:nvSpPr>
+        <dsp:cNvPr id="0" name=""/>
+        <dsp:cNvSpPr/>
+      </dsp:nvSpPr>
+      <dsp:spPr>
+        <a:xfrm>
+          <a:off x="1799373" y="1216741"/>
+          <a:ext cx="280947" cy="280947"/>
+        </a:xfrm>
+        <a:prstGeom prst="ellipse">
+          <a:avLst/>
+        </a:prstGeom>
+        <a:gradFill rotWithShape="0">
+          <a:gsLst>
+            <a:gs pos="0">
+              <a:schemeClr val="accent1">
+                <a:hueOff val="0"/>
+                <a:satOff val="0"/>
+                <a:lumOff val="0"/>
+                <a:alphaOff val="0"/>
+                <a:shade val="51000"/>
+                <a:satMod val="130000"/>
+              </a:schemeClr>
+            </a:gs>
+            <a:gs pos="80000">
+              <a:schemeClr val="accent1">
+                <a:hueOff val="0"/>
+                <a:satOff val="0"/>
+                <a:lumOff val="0"/>
+                <a:alphaOff val="0"/>
+                <a:shade val="93000"/>
+                <a:satMod val="130000"/>
+              </a:schemeClr>
+            </a:gs>
+            <a:gs pos="100000">
+              <a:schemeClr val="accent1">
+                <a:hueOff val="0"/>
+                <a:satOff val="0"/>
+                <a:lumOff val="0"/>
+                <a:alphaOff val="0"/>
+                <a:shade val="94000"/>
+                <a:satMod val="135000"/>
+              </a:schemeClr>
+            </a:gs>
+          </a:gsLst>
+          <a:lin ang="16200000" scaled="0"/>
+        </a:gradFill>
+        <a:ln>
+          <a:noFill/>
+        </a:ln>
+        <a:effectLst>
+          <a:outerShdw blurRad="40000" dist="23000" dir="5400000" rotWithShape="0">
+            <a:srgbClr val="000000">
+              <a:alpha val="35000"/>
+            </a:srgbClr>
+          </a:outerShdw>
+        </a:effectLst>
+      </dsp:spPr>
+      <dsp:style>
+        <a:lnRef idx="0">
+          <a:scrgbClr r="0" g="0" b="0"/>
+        </a:lnRef>
+        <a:fillRef idx="3">
+          <a:scrgbClr r="0" g="0" b="0"/>
+        </a:fillRef>
+        <a:effectRef idx="2">
+          <a:scrgbClr r="0" g="0" b="0"/>
+        </a:effectRef>
+        <a:fontRef idx="minor">
+          <a:schemeClr val="lt1"/>
+        </a:fontRef>
+      </dsp:style>
+    </dsp:sp>
+    <dsp:sp modelId="{46A73F7D-28D7-8B43-B8F8-BC27904612E8}">
+      <dsp:nvSpPr>
+        <dsp:cNvPr id="0" name=""/>
+        <dsp:cNvSpPr/>
+      </dsp:nvSpPr>
+      <dsp:spPr>
+        <a:xfrm>
+          <a:off x="2149791" y="1492069"/>
+          <a:ext cx="178784" cy="178784"/>
+        </a:xfrm>
+        <a:prstGeom prst="ellipse">
+          <a:avLst/>
+        </a:prstGeom>
+        <a:gradFill rotWithShape="0">
+          <a:gsLst>
+            <a:gs pos="0">
+              <a:schemeClr val="accent1">
+                <a:hueOff val="0"/>
+                <a:satOff val="0"/>
+                <a:lumOff val="0"/>
+                <a:alphaOff val="0"/>
+                <a:shade val="51000"/>
+                <a:satMod val="130000"/>
+              </a:schemeClr>
+            </a:gs>
+            <a:gs pos="80000">
+              <a:schemeClr val="accent1">
+                <a:hueOff val="0"/>
+                <a:satOff val="0"/>
+                <a:lumOff val="0"/>
+                <a:alphaOff val="0"/>
+                <a:shade val="93000"/>
+                <a:satMod val="130000"/>
+              </a:schemeClr>
+            </a:gs>
+            <a:gs pos="100000">
+              <a:schemeClr val="accent1">
+                <a:hueOff val="0"/>
+                <a:satOff val="0"/>
+                <a:lumOff val="0"/>
+                <a:alphaOff val="0"/>
+                <a:shade val="94000"/>
+                <a:satMod val="135000"/>
+              </a:schemeClr>
+            </a:gs>
+          </a:gsLst>
+          <a:lin ang="16200000" scaled="0"/>
+        </a:gradFill>
+        <a:ln>
+          <a:noFill/>
+        </a:ln>
+        <a:effectLst>
+          <a:outerShdw blurRad="40000" dist="23000" dir="5400000" rotWithShape="0">
+            <a:srgbClr val="000000">
+              <a:alpha val="35000"/>
+            </a:srgbClr>
+          </a:outerShdw>
+        </a:effectLst>
+      </dsp:spPr>
+      <dsp:style>
+        <a:lnRef idx="0">
+          <a:scrgbClr r="0" g="0" b="0"/>
+        </a:lnRef>
+        <a:fillRef idx="3">
+          <a:scrgbClr r="0" g="0" b="0"/>
+        </a:fillRef>
+        <a:effectRef idx="2">
+          <a:scrgbClr r="0" g="0" b="0"/>
+        </a:effectRef>
+        <a:fontRef idx="minor">
+          <a:schemeClr val="lt1"/>
+        </a:fontRef>
+      </dsp:style>
+    </dsp:sp>
+    <dsp:sp modelId="{44FDFCD0-BB14-584B-85D9-E8A8F4E99446}">
+      <dsp:nvSpPr>
+        <dsp:cNvPr id="0" name=""/>
+        <dsp:cNvSpPr/>
+      </dsp:nvSpPr>
+      <dsp:spPr>
+        <a:xfrm>
+          <a:off x="2299970" y="1767398"/>
+          <a:ext cx="178784" cy="178784"/>
+        </a:xfrm>
+        <a:prstGeom prst="ellipse">
+          <a:avLst/>
+        </a:prstGeom>
+        <a:gradFill rotWithShape="0">
+          <a:gsLst>
+            <a:gs pos="0">
+              <a:schemeClr val="accent1">
+                <a:hueOff val="0"/>
+                <a:satOff val="0"/>
+                <a:lumOff val="0"/>
+                <a:alphaOff val="0"/>
+                <a:shade val="51000"/>
+                <a:satMod val="130000"/>
+              </a:schemeClr>
+            </a:gs>
+            <a:gs pos="80000">
+              <a:schemeClr val="accent1">
+                <a:hueOff val="0"/>
+                <a:satOff val="0"/>
+                <a:lumOff val="0"/>
+                <a:alphaOff val="0"/>
+                <a:shade val="93000"/>
+                <a:satMod val="130000"/>
+              </a:schemeClr>
+            </a:gs>
+            <a:gs pos="100000">
+              <a:schemeClr val="accent1">
+                <a:hueOff val="0"/>
+                <a:satOff val="0"/>
+                <a:lumOff val="0"/>
+                <a:alphaOff val="0"/>
+                <a:shade val="94000"/>
+                <a:satMod val="135000"/>
+              </a:schemeClr>
+            </a:gs>
+          </a:gsLst>
+          <a:lin ang="16200000" scaled="0"/>
+        </a:gradFill>
+        <a:ln>
+          <a:noFill/>
+        </a:ln>
+        <a:effectLst>
+          <a:outerShdw blurRad="40000" dist="23000" dir="5400000" rotWithShape="0">
+            <a:srgbClr val="000000">
+              <a:alpha val="35000"/>
+            </a:srgbClr>
+          </a:outerShdw>
+        </a:effectLst>
+      </dsp:spPr>
+      <dsp:style>
+        <a:lnRef idx="0">
+          <a:scrgbClr r="0" g="0" b="0"/>
+        </a:lnRef>
+        <a:fillRef idx="3">
+          <a:scrgbClr r="0" g="0" b="0"/>
+        </a:fillRef>
+        <a:effectRef idx="2">
+          <a:scrgbClr r="0" g="0" b="0"/>
+        </a:effectRef>
+        <a:fontRef idx="minor">
+          <a:schemeClr val="lt1"/>
+        </a:fontRef>
+      </dsp:style>
+    </dsp:sp>
+    <dsp:sp modelId="{4876505E-2506-7A41-8D6D-DF2767B34263}">
+      <dsp:nvSpPr>
+        <dsp:cNvPr id="0" name=""/>
+        <dsp:cNvSpPr/>
+      </dsp:nvSpPr>
+      <dsp:spPr>
+        <a:xfrm>
+          <a:off x="998417" y="1241770"/>
+          <a:ext cx="459732" cy="459732"/>
+        </a:xfrm>
+        <a:prstGeom prst="ellipse">
+          <a:avLst/>
+        </a:prstGeom>
+        <a:gradFill rotWithShape="0">
+          <a:gsLst>
+            <a:gs pos="0">
+              <a:schemeClr val="accent1">
+                <a:hueOff val="0"/>
+                <a:satOff val="0"/>
+                <a:lumOff val="0"/>
+                <a:alphaOff val="0"/>
+                <a:shade val="51000"/>
+                <a:satMod val="130000"/>
+              </a:schemeClr>
+            </a:gs>
+            <a:gs pos="80000">
+              <a:schemeClr val="accent1">
+                <a:hueOff val="0"/>
+                <a:satOff val="0"/>
+                <a:lumOff val="0"/>
+                <a:alphaOff val="0"/>
+                <a:shade val="93000"/>
+                <a:satMod val="130000"/>
+              </a:schemeClr>
+            </a:gs>
+            <a:gs pos="100000">
+              <a:schemeClr val="accent1">
+                <a:hueOff val="0"/>
+                <a:satOff val="0"/>
+                <a:lumOff val="0"/>
+                <a:alphaOff val="0"/>
+                <a:shade val="94000"/>
+                <a:satMod val="135000"/>
+              </a:schemeClr>
+            </a:gs>
+          </a:gsLst>
+          <a:lin ang="16200000" scaled="0"/>
+        </a:gradFill>
+        <a:ln>
+          <a:noFill/>
+        </a:ln>
+        <a:effectLst>
+          <a:outerShdw blurRad="40000" dist="23000" dir="5400000" rotWithShape="0">
+            <a:srgbClr val="000000">
+              <a:alpha val="35000"/>
+            </a:srgbClr>
+          </a:outerShdw>
+        </a:effectLst>
+      </dsp:spPr>
+      <dsp:style>
+        <a:lnRef idx="0">
+          <a:scrgbClr r="0" g="0" b="0"/>
+        </a:lnRef>
+        <a:fillRef idx="3">
+          <a:scrgbClr r="0" g="0" b="0"/>
+        </a:fillRef>
+        <a:effectRef idx="2">
+          <a:scrgbClr r="0" g="0" b="0"/>
+        </a:effectRef>
+        <a:fontRef idx="minor">
+          <a:schemeClr val="lt1"/>
+        </a:fontRef>
+      </dsp:style>
+    </dsp:sp>
+    <dsp:sp modelId="{663638D2-B398-4041-94BF-EA3FB8F539E9}">
+      <dsp:nvSpPr>
+        <dsp:cNvPr id="0" name=""/>
+        <dsp:cNvSpPr/>
+      </dsp:nvSpPr>
+      <dsp:spPr>
+        <a:xfrm>
+          <a:off x="22251" y="2192906"/>
+          <a:ext cx="178784" cy="178784"/>
+        </a:xfrm>
+        <a:prstGeom prst="ellipse">
+          <a:avLst/>
+        </a:prstGeom>
+        <a:gradFill rotWithShape="0">
+          <a:gsLst>
+            <a:gs pos="0">
+              <a:schemeClr val="accent1">
+                <a:hueOff val="0"/>
+                <a:satOff val="0"/>
+                <a:lumOff val="0"/>
+                <a:alphaOff val="0"/>
+                <a:shade val="51000"/>
+                <a:satMod val="130000"/>
+              </a:schemeClr>
+            </a:gs>
+            <a:gs pos="80000">
+              <a:schemeClr val="accent1">
+                <a:hueOff val="0"/>
+                <a:satOff val="0"/>
+                <a:lumOff val="0"/>
+                <a:alphaOff val="0"/>
+                <a:shade val="93000"/>
+                <a:satMod val="130000"/>
+              </a:schemeClr>
+            </a:gs>
+            <a:gs pos="100000">
+              <a:schemeClr val="accent1">
+                <a:hueOff val="0"/>
+                <a:satOff val="0"/>
+                <a:lumOff val="0"/>
+                <a:alphaOff val="0"/>
+                <a:shade val="94000"/>
+                <a:satMod val="135000"/>
+              </a:schemeClr>
+            </a:gs>
+          </a:gsLst>
+          <a:lin ang="16200000" scaled="0"/>
+        </a:gradFill>
+        <a:ln>
+          <a:noFill/>
+        </a:ln>
+        <a:effectLst>
+          <a:outerShdw blurRad="40000" dist="23000" dir="5400000" rotWithShape="0">
+            <a:srgbClr val="000000">
+              <a:alpha val="35000"/>
+            </a:srgbClr>
+          </a:outerShdw>
+        </a:effectLst>
+      </dsp:spPr>
+      <dsp:style>
+        <a:lnRef idx="0">
+          <a:scrgbClr r="0" g="0" b="0"/>
+        </a:lnRef>
+        <a:fillRef idx="3">
+          <a:scrgbClr r="0" g="0" b="0"/>
+        </a:fillRef>
+        <a:effectRef idx="2">
+          <a:scrgbClr r="0" g="0" b="0"/>
+        </a:effectRef>
+        <a:fontRef idx="minor">
+          <a:schemeClr val="lt1"/>
+        </a:fontRef>
+      </dsp:style>
+    </dsp:sp>
+    <dsp:sp modelId="{661ED631-A43D-3445-9979-63B1D09DCEEB}">
+      <dsp:nvSpPr>
+        <dsp:cNvPr id="0" name=""/>
+        <dsp:cNvSpPr/>
+      </dsp:nvSpPr>
+      <dsp:spPr>
+        <a:xfrm>
+          <a:off x="172431" y="2418175"/>
+          <a:ext cx="280947" cy="280947"/>
+        </a:xfrm>
+        <a:prstGeom prst="ellipse">
+          <a:avLst/>
+        </a:prstGeom>
+        <a:gradFill rotWithShape="0">
+          <a:gsLst>
+            <a:gs pos="0">
+              <a:schemeClr val="accent1">
+                <a:hueOff val="0"/>
+                <a:satOff val="0"/>
+                <a:lumOff val="0"/>
+                <a:alphaOff val="0"/>
+                <a:shade val="51000"/>
+                <a:satMod val="130000"/>
+              </a:schemeClr>
+            </a:gs>
+            <a:gs pos="80000">
+              <a:schemeClr val="accent1">
+                <a:hueOff val="0"/>
+                <a:satOff val="0"/>
+                <a:lumOff val="0"/>
+                <a:alphaOff val="0"/>
+                <a:shade val="93000"/>
+                <a:satMod val="130000"/>
+              </a:schemeClr>
+            </a:gs>
+            <a:gs pos="100000">
+              <a:schemeClr val="accent1">
+                <a:hueOff val="0"/>
+                <a:satOff val="0"/>
+                <a:lumOff val="0"/>
+                <a:alphaOff val="0"/>
+                <a:shade val="94000"/>
+                <a:satMod val="135000"/>
+              </a:schemeClr>
+            </a:gs>
+          </a:gsLst>
+          <a:lin ang="16200000" scaled="0"/>
+        </a:gradFill>
+        <a:ln>
+          <a:noFill/>
+        </a:ln>
+        <a:effectLst>
+          <a:outerShdw blurRad="40000" dist="23000" dir="5400000" rotWithShape="0">
+            <a:srgbClr val="000000">
+              <a:alpha val="35000"/>
+            </a:srgbClr>
+          </a:outerShdw>
+        </a:effectLst>
+      </dsp:spPr>
+      <dsp:style>
+        <a:lnRef idx="0">
+          <a:scrgbClr r="0" g="0" b="0"/>
+        </a:lnRef>
+        <a:fillRef idx="3">
+          <a:scrgbClr r="0" g="0" b="0"/>
+        </a:fillRef>
+        <a:effectRef idx="2">
+          <a:scrgbClr r="0" g="0" b="0"/>
+        </a:effectRef>
+        <a:fontRef idx="minor">
+          <a:schemeClr val="lt1"/>
+        </a:fontRef>
+      </dsp:style>
+    </dsp:sp>
+    <dsp:sp modelId="{FFEF5536-CB7A-B44C-9316-3E7D80EFA254}">
+      <dsp:nvSpPr>
+        <dsp:cNvPr id="0" name=""/>
+        <dsp:cNvSpPr/>
+      </dsp:nvSpPr>
+      <dsp:spPr>
+        <a:xfrm>
+          <a:off x="547879" y="2618414"/>
+          <a:ext cx="408651" cy="408651"/>
+        </a:xfrm>
+        <a:prstGeom prst="ellipse">
+          <a:avLst/>
+        </a:prstGeom>
+        <a:gradFill rotWithShape="0">
+          <a:gsLst>
+            <a:gs pos="0">
+              <a:schemeClr val="accent1">
+                <a:hueOff val="0"/>
+                <a:satOff val="0"/>
+                <a:lumOff val="0"/>
+                <a:alphaOff val="0"/>
+                <a:shade val="51000"/>
+                <a:satMod val="130000"/>
+              </a:schemeClr>
+            </a:gs>
+            <a:gs pos="80000">
+              <a:schemeClr val="accent1">
+                <a:hueOff val="0"/>
+                <a:satOff val="0"/>
+                <a:lumOff val="0"/>
+                <a:alphaOff val="0"/>
+                <a:shade val="93000"/>
+                <a:satMod val="130000"/>
+              </a:schemeClr>
+            </a:gs>
+            <a:gs pos="100000">
+              <a:schemeClr val="accent1">
+                <a:hueOff val="0"/>
+                <a:satOff val="0"/>
+                <a:lumOff val="0"/>
+                <a:alphaOff val="0"/>
+                <a:shade val="94000"/>
+                <a:satMod val="135000"/>
+              </a:schemeClr>
+            </a:gs>
+          </a:gsLst>
+          <a:lin ang="16200000" scaled="0"/>
+        </a:gradFill>
+        <a:ln>
+          <a:noFill/>
+        </a:ln>
+        <a:effectLst>
+          <a:outerShdw blurRad="40000" dist="23000" dir="5400000" rotWithShape="0">
+            <a:srgbClr val="000000">
+              <a:alpha val="35000"/>
+            </a:srgbClr>
+          </a:outerShdw>
+        </a:effectLst>
+      </dsp:spPr>
+      <dsp:style>
+        <a:lnRef idx="0">
+          <a:scrgbClr r="0" g="0" b="0"/>
+        </a:lnRef>
+        <a:fillRef idx="3">
+          <a:scrgbClr r="0" g="0" b="0"/>
+        </a:fillRef>
+        <a:effectRef idx="2">
+          <a:scrgbClr r="0" g="0" b="0"/>
+        </a:effectRef>
+        <a:fontRef idx="minor">
+          <a:schemeClr val="lt1"/>
+        </a:fontRef>
+      </dsp:style>
+    </dsp:sp>
+    <dsp:sp modelId="{06F69CF5-F849-A543-879C-03EF186FA539}">
+      <dsp:nvSpPr>
+        <dsp:cNvPr id="0" name=""/>
+        <dsp:cNvSpPr/>
+      </dsp:nvSpPr>
+      <dsp:spPr>
+        <a:xfrm>
+          <a:off x="1073506" y="2943802"/>
+          <a:ext cx="178784" cy="178784"/>
+        </a:xfrm>
+        <a:prstGeom prst="ellipse">
+          <a:avLst/>
+        </a:prstGeom>
+        <a:gradFill rotWithShape="0">
+          <a:gsLst>
+            <a:gs pos="0">
+              <a:schemeClr val="accent1">
+                <a:hueOff val="0"/>
+                <a:satOff val="0"/>
+                <a:lumOff val="0"/>
+                <a:alphaOff val="0"/>
+                <a:shade val="51000"/>
+                <a:satMod val="130000"/>
+              </a:schemeClr>
+            </a:gs>
+            <a:gs pos="80000">
+              <a:schemeClr val="accent1">
+                <a:hueOff val="0"/>
+                <a:satOff val="0"/>
+                <a:lumOff val="0"/>
+                <a:alphaOff val="0"/>
+                <a:shade val="93000"/>
+                <a:satMod val="130000"/>
+              </a:schemeClr>
+            </a:gs>
+            <a:gs pos="100000">
+              <a:schemeClr val="accent1">
+                <a:hueOff val="0"/>
+                <a:satOff val="0"/>
+                <a:lumOff val="0"/>
+                <a:alphaOff val="0"/>
+                <a:shade val="94000"/>
+                <a:satMod val="135000"/>
+              </a:schemeClr>
+            </a:gs>
+          </a:gsLst>
+          <a:lin ang="16200000" scaled="0"/>
+        </a:gradFill>
+        <a:ln>
+          <a:noFill/>
+        </a:ln>
+        <a:effectLst>
+          <a:outerShdw blurRad="40000" dist="23000" dir="5400000" rotWithShape="0">
+            <a:srgbClr val="000000">
+              <a:alpha val="35000"/>
+            </a:srgbClr>
+          </a:outerShdw>
+        </a:effectLst>
+      </dsp:spPr>
+      <dsp:style>
+        <a:lnRef idx="0">
+          <a:scrgbClr r="0" g="0" b="0"/>
+        </a:lnRef>
+        <a:fillRef idx="3">
+          <a:scrgbClr r="0" g="0" b="0"/>
+        </a:fillRef>
+        <a:effectRef idx="2">
+          <a:scrgbClr r="0" g="0" b="0"/>
+        </a:effectRef>
+        <a:fontRef idx="minor">
+          <a:schemeClr val="lt1"/>
+        </a:fontRef>
+      </dsp:style>
+    </dsp:sp>
+    <dsp:sp modelId="{2EE358DE-B300-9648-B91C-7A2A4F823C01}">
+      <dsp:nvSpPr>
+        <dsp:cNvPr id="0" name=""/>
+        <dsp:cNvSpPr/>
+      </dsp:nvSpPr>
+      <dsp:spPr>
+        <a:xfrm>
+          <a:off x="1173626" y="2618414"/>
+          <a:ext cx="280947" cy="280947"/>
+        </a:xfrm>
+        <a:prstGeom prst="ellipse">
+          <a:avLst/>
+        </a:prstGeom>
+        <a:gradFill rotWithShape="0">
+          <a:gsLst>
+            <a:gs pos="0">
+              <a:schemeClr val="accent1">
+                <a:hueOff val="0"/>
+                <a:satOff val="0"/>
+                <a:lumOff val="0"/>
+                <a:alphaOff val="0"/>
+                <a:shade val="51000"/>
+                <a:satMod val="130000"/>
+              </a:schemeClr>
+            </a:gs>
+            <a:gs pos="80000">
+              <a:schemeClr val="accent1">
+                <a:hueOff val="0"/>
+                <a:satOff val="0"/>
+                <a:lumOff val="0"/>
+                <a:alphaOff val="0"/>
+                <a:shade val="93000"/>
+                <a:satMod val="130000"/>
+              </a:schemeClr>
+            </a:gs>
+            <a:gs pos="100000">
+              <a:schemeClr val="accent1">
+                <a:hueOff val="0"/>
+                <a:satOff val="0"/>
+                <a:lumOff val="0"/>
+                <a:alphaOff val="0"/>
+                <a:shade val="94000"/>
+                <a:satMod val="135000"/>
+              </a:schemeClr>
+            </a:gs>
+          </a:gsLst>
+          <a:lin ang="16200000" scaled="0"/>
+        </a:gradFill>
+        <a:ln>
+          <a:noFill/>
+        </a:ln>
+        <a:effectLst>
+          <a:outerShdw blurRad="40000" dist="23000" dir="5400000" rotWithShape="0">
+            <a:srgbClr val="000000">
+              <a:alpha val="35000"/>
+            </a:srgbClr>
+          </a:outerShdw>
+        </a:effectLst>
+      </dsp:spPr>
+      <dsp:style>
+        <a:lnRef idx="0">
+          <a:scrgbClr r="0" g="0" b="0"/>
+        </a:lnRef>
+        <a:fillRef idx="3">
+          <a:scrgbClr r="0" g="0" b="0"/>
+        </a:fillRef>
+        <a:effectRef idx="2">
+          <a:scrgbClr r="0" g="0" b="0"/>
+        </a:effectRef>
+        <a:fontRef idx="minor">
+          <a:schemeClr val="lt1"/>
+        </a:fontRef>
+      </dsp:style>
+    </dsp:sp>
+    <dsp:sp modelId="{7B062F91-2A5C-3E46-9F61-B0968CE3B57E}">
+      <dsp:nvSpPr>
+        <dsp:cNvPr id="0" name=""/>
+        <dsp:cNvSpPr/>
+      </dsp:nvSpPr>
+      <dsp:spPr>
+        <a:xfrm>
+          <a:off x="1423925" y="2968832"/>
+          <a:ext cx="178784" cy="178784"/>
+        </a:xfrm>
+        <a:prstGeom prst="ellipse">
+          <a:avLst/>
+        </a:prstGeom>
+        <a:gradFill rotWithShape="0">
+          <a:gsLst>
+            <a:gs pos="0">
+              <a:schemeClr val="accent1">
+                <a:hueOff val="0"/>
+                <a:satOff val="0"/>
+                <a:lumOff val="0"/>
+                <a:alphaOff val="0"/>
+                <a:shade val="51000"/>
+                <a:satMod val="130000"/>
+              </a:schemeClr>
+            </a:gs>
+            <a:gs pos="80000">
+              <a:schemeClr val="accent1">
+                <a:hueOff val="0"/>
+                <a:satOff val="0"/>
+                <a:lumOff val="0"/>
+                <a:alphaOff val="0"/>
+                <a:shade val="93000"/>
+                <a:satMod val="130000"/>
+              </a:schemeClr>
+            </a:gs>
+            <a:gs pos="100000">
+              <a:schemeClr val="accent1">
+                <a:hueOff val="0"/>
+                <a:satOff val="0"/>
+                <a:lumOff val="0"/>
+                <a:alphaOff val="0"/>
+                <a:shade val="94000"/>
+                <a:satMod val="135000"/>
+              </a:schemeClr>
+            </a:gs>
+          </a:gsLst>
+          <a:lin ang="16200000" scaled="0"/>
+        </a:gradFill>
+        <a:ln>
+          <a:noFill/>
+        </a:ln>
+        <a:effectLst>
+          <a:outerShdw blurRad="40000" dist="23000" dir="5400000" rotWithShape="0">
+            <a:srgbClr val="000000">
+              <a:alpha val="35000"/>
+            </a:srgbClr>
+          </a:outerShdw>
+        </a:effectLst>
+      </dsp:spPr>
+      <dsp:style>
+        <a:lnRef idx="0">
+          <a:scrgbClr r="0" g="0" b="0"/>
+        </a:lnRef>
+        <a:fillRef idx="3">
+          <a:scrgbClr r="0" g="0" b="0"/>
+        </a:fillRef>
+        <a:effectRef idx="2">
+          <a:scrgbClr r="0" g="0" b="0"/>
+        </a:effectRef>
+        <a:fontRef idx="minor">
+          <a:schemeClr val="lt1"/>
+        </a:fontRef>
+      </dsp:style>
+    </dsp:sp>
+    <dsp:sp modelId="{41B61C62-ADBA-F64F-8927-FA4E4CA3AF76}">
+      <dsp:nvSpPr>
+        <dsp:cNvPr id="0" name=""/>
+        <dsp:cNvSpPr/>
+      </dsp:nvSpPr>
+      <dsp:spPr>
+        <a:xfrm>
+          <a:off x="1649194" y="2568354"/>
+          <a:ext cx="408651" cy="408651"/>
+        </a:xfrm>
+        <a:prstGeom prst="ellipse">
+          <a:avLst/>
+        </a:prstGeom>
+        <a:gradFill rotWithShape="0">
+          <a:gsLst>
+            <a:gs pos="0">
+              <a:schemeClr val="accent1">
+                <a:hueOff val="0"/>
+                <a:satOff val="0"/>
+                <a:lumOff val="0"/>
+                <a:alphaOff val="0"/>
+                <a:shade val="51000"/>
+                <a:satMod val="130000"/>
+              </a:schemeClr>
+            </a:gs>
+            <a:gs pos="80000">
+              <a:schemeClr val="accent1">
+                <a:hueOff val="0"/>
+                <a:satOff val="0"/>
+                <a:lumOff val="0"/>
+                <a:alphaOff val="0"/>
+                <a:shade val="93000"/>
+                <a:satMod val="130000"/>
+              </a:schemeClr>
+            </a:gs>
+            <a:gs pos="100000">
+              <a:schemeClr val="accent1">
+                <a:hueOff val="0"/>
+                <a:satOff val="0"/>
+                <a:lumOff val="0"/>
+                <a:alphaOff val="0"/>
+                <a:shade val="94000"/>
+                <a:satMod val="135000"/>
+              </a:schemeClr>
+            </a:gs>
+          </a:gsLst>
+          <a:lin ang="16200000" scaled="0"/>
+        </a:gradFill>
+        <a:ln>
+          <a:noFill/>
+        </a:ln>
+        <a:effectLst>
+          <a:outerShdw blurRad="40000" dist="23000" dir="5400000" rotWithShape="0">
+            <a:srgbClr val="000000">
+              <a:alpha val="35000"/>
+            </a:srgbClr>
+          </a:outerShdw>
+        </a:effectLst>
+      </dsp:spPr>
+      <dsp:style>
+        <a:lnRef idx="0">
+          <a:scrgbClr r="0" g="0" b="0"/>
+        </a:lnRef>
+        <a:fillRef idx="3">
+          <a:scrgbClr r="0" g="0" b="0"/>
+        </a:fillRef>
+        <a:effectRef idx="2">
+          <a:scrgbClr r="0" g="0" b="0"/>
+        </a:effectRef>
+        <a:fontRef idx="minor">
+          <a:schemeClr val="lt1"/>
+        </a:fontRef>
+      </dsp:style>
+    </dsp:sp>
+    <dsp:sp modelId="{AC38C7FE-4D1A-BA46-9936-77CEEBC59F66}">
+      <dsp:nvSpPr>
+        <dsp:cNvPr id="0" name=""/>
+        <dsp:cNvSpPr/>
+      </dsp:nvSpPr>
+      <dsp:spPr>
+        <a:xfrm>
+          <a:off x="2199851" y="2468235"/>
+          <a:ext cx="280947" cy="280947"/>
+        </a:xfrm>
+        <a:prstGeom prst="ellipse">
+          <a:avLst/>
+        </a:prstGeom>
+        <a:gradFill rotWithShape="0">
+          <a:gsLst>
+            <a:gs pos="0">
+              <a:schemeClr val="accent1">
+                <a:hueOff val="0"/>
+                <a:satOff val="0"/>
+                <a:lumOff val="0"/>
+                <a:alphaOff val="0"/>
+                <a:shade val="51000"/>
+                <a:satMod val="130000"/>
+              </a:schemeClr>
+            </a:gs>
+            <a:gs pos="80000">
+              <a:schemeClr val="accent1">
+                <a:hueOff val="0"/>
+                <a:satOff val="0"/>
+                <a:lumOff val="0"/>
+                <a:alphaOff val="0"/>
+                <a:shade val="93000"/>
+                <a:satMod val="130000"/>
+              </a:schemeClr>
+            </a:gs>
+            <a:gs pos="100000">
+              <a:schemeClr val="accent1">
+                <a:hueOff val="0"/>
+                <a:satOff val="0"/>
+                <a:lumOff val="0"/>
+                <a:alphaOff val="0"/>
+                <a:shade val="94000"/>
+                <a:satMod val="135000"/>
+              </a:schemeClr>
+            </a:gs>
+          </a:gsLst>
+          <a:lin ang="16200000" scaled="0"/>
+        </a:gradFill>
+        <a:ln>
+          <a:noFill/>
+        </a:ln>
+        <a:effectLst>
+          <a:outerShdw blurRad="40000" dist="23000" dir="5400000" rotWithShape="0">
+            <a:srgbClr val="000000">
+              <a:alpha val="35000"/>
+            </a:srgbClr>
+          </a:outerShdw>
+        </a:effectLst>
+      </dsp:spPr>
+      <dsp:style>
+        <a:lnRef idx="0">
+          <a:scrgbClr r="0" g="0" b="0"/>
+        </a:lnRef>
+        <a:fillRef idx="3">
+          <a:scrgbClr r="0" g="0" b="0"/>
+        </a:fillRef>
+        <a:effectRef idx="2">
+          <a:scrgbClr r="0" g="0" b="0"/>
+        </a:effectRef>
+        <a:fontRef idx="minor">
+          <a:schemeClr val="lt1"/>
+        </a:fontRef>
+      </dsp:style>
+    </dsp:sp>
+    <dsp:sp modelId="{23A681CA-8AD8-294A-B3A1-6E02A78D17C2}">
+      <dsp:nvSpPr>
+        <dsp:cNvPr id="0" name=""/>
+        <dsp:cNvSpPr/>
+      </dsp:nvSpPr>
+      <dsp:spPr>
+        <a:xfrm>
+          <a:off x="2480798" y="1291414"/>
+          <a:ext cx="825103" cy="1575211"/>
+        </a:xfrm>
+        <a:prstGeom prst="chevron">
+          <a:avLst>
+            <a:gd name="adj" fmla="val 62310"/>
+          </a:avLst>
+        </a:prstGeom>
+        <a:gradFill rotWithShape="0">
+          <a:gsLst>
+            <a:gs pos="0">
+              <a:schemeClr val="accent1">
+                <a:tint val="60000"/>
+                <a:hueOff val="0"/>
+                <a:satOff val="0"/>
+                <a:lumOff val="0"/>
+                <a:alphaOff val="0"/>
+                <a:shade val="51000"/>
+                <a:satMod val="130000"/>
+              </a:schemeClr>
+            </a:gs>
+            <a:gs pos="80000">
+              <a:schemeClr val="accent1">
+                <a:tint val="60000"/>
+                <a:hueOff val="0"/>
+                <a:satOff val="0"/>
+                <a:lumOff val="0"/>
+                <a:alphaOff val="0"/>
+                <a:shade val="93000"/>
+                <a:satMod val="130000"/>
+              </a:schemeClr>
+            </a:gs>
+            <a:gs pos="100000">
+              <a:schemeClr val="accent1">
+                <a:tint val="60000"/>
+                <a:hueOff val="0"/>
+                <a:satOff val="0"/>
+                <a:lumOff val="0"/>
+                <a:alphaOff val="0"/>
+                <a:shade val="94000"/>
+                <a:satMod val="135000"/>
+              </a:schemeClr>
+            </a:gs>
+          </a:gsLst>
+          <a:lin ang="16200000" scaled="0"/>
+        </a:gradFill>
+        <a:ln>
+          <a:noFill/>
+        </a:ln>
+        <a:effectLst>
+          <a:outerShdw blurRad="40000" dist="23000" dir="5400000" rotWithShape="0">
+            <a:srgbClr val="000000">
+              <a:alpha val="35000"/>
+            </a:srgbClr>
+          </a:outerShdw>
+        </a:effectLst>
+      </dsp:spPr>
+      <dsp:style>
+        <a:lnRef idx="0">
+          <a:scrgbClr r="0" g="0" b="0"/>
+        </a:lnRef>
+        <a:fillRef idx="3">
+          <a:scrgbClr r="0" g="0" b="0"/>
+        </a:fillRef>
+        <a:effectRef idx="2">
+          <a:scrgbClr r="0" g="0" b="0"/>
+        </a:effectRef>
+        <a:fontRef idx="minor">
+          <a:schemeClr val="lt1"/>
+        </a:fontRef>
+      </dsp:style>
+    </dsp:sp>
+    <dsp:sp modelId="{DCADD5DE-E0A1-1045-87B2-9A19AAC19444}">
+      <dsp:nvSpPr>
+        <dsp:cNvPr id="0" name=""/>
+        <dsp:cNvSpPr/>
+      </dsp:nvSpPr>
+      <dsp:spPr>
+        <a:xfrm>
+          <a:off x="3155883" y="1291414"/>
+          <a:ext cx="825103" cy="1575211"/>
+        </a:xfrm>
+        <a:prstGeom prst="chevron">
+          <a:avLst>
+            <a:gd name="adj" fmla="val 62310"/>
+          </a:avLst>
+        </a:prstGeom>
+        <a:gradFill rotWithShape="0">
+          <a:gsLst>
+            <a:gs pos="0">
+              <a:schemeClr val="accent1">
+                <a:tint val="60000"/>
+                <a:hueOff val="0"/>
+                <a:satOff val="0"/>
+                <a:lumOff val="0"/>
+                <a:alphaOff val="0"/>
+                <a:shade val="51000"/>
+                <a:satMod val="130000"/>
+              </a:schemeClr>
+            </a:gs>
+            <a:gs pos="80000">
+              <a:schemeClr val="accent1">
+                <a:tint val="60000"/>
+                <a:hueOff val="0"/>
+                <a:satOff val="0"/>
+                <a:lumOff val="0"/>
+                <a:alphaOff val="0"/>
+                <a:shade val="93000"/>
+                <a:satMod val="130000"/>
+              </a:schemeClr>
+            </a:gs>
+            <a:gs pos="100000">
+              <a:schemeClr val="accent1">
+                <a:tint val="60000"/>
+                <a:hueOff val="0"/>
+                <a:satOff val="0"/>
+                <a:lumOff val="0"/>
+                <a:alphaOff val="0"/>
+                <a:shade val="94000"/>
+                <a:satMod val="135000"/>
+              </a:schemeClr>
+            </a:gs>
+          </a:gsLst>
+          <a:lin ang="16200000" scaled="0"/>
+        </a:gradFill>
+        <a:ln>
+          <a:noFill/>
+        </a:ln>
+        <a:effectLst>
+          <a:outerShdw blurRad="40000" dist="23000" dir="5400000" rotWithShape="0">
+            <a:srgbClr val="000000">
+              <a:alpha val="35000"/>
+            </a:srgbClr>
+          </a:outerShdw>
+        </a:effectLst>
+      </dsp:spPr>
+      <dsp:style>
+        <a:lnRef idx="0">
+          <a:scrgbClr r="0" g="0" b="0"/>
+        </a:lnRef>
+        <a:fillRef idx="3">
+          <a:scrgbClr r="0" g="0" b="0"/>
+        </a:fillRef>
+        <a:effectRef idx="2">
+          <a:scrgbClr r="0" g="0" b="0"/>
+        </a:effectRef>
+        <a:fontRef idx="minor">
+          <a:schemeClr val="lt1"/>
+        </a:fontRef>
+      </dsp:style>
+    </dsp:sp>
+    <dsp:sp modelId="{7C022CC1-DBE0-7546-8AB1-B53F74A2212B}">
+      <dsp:nvSpPr>
+        <dsp:cNvPr id="0" name=""/>
+        <dsp:cNvSpPr/>
+      </dsp:nvSpPr>
+      <dsp:spPr>
+        <a:xfrm>
+          <a:off x="4070997" y="1161235"/>
+          <a:ext cx="1912739" cy="1912739"/>
+        </a:xfrm>
+        <a:prstGeom prst="ellipse">
+          <a:avLst/>
+        </a:prstGeom>
+        <a:gradFill rotWithShape="0">
+          <a:gsLst>
+            <a:gs pos="0">
+              <a:schemeClr val="accent1">
+                <a:hueOff val="0"/>
+                <a:satOff val="0"/>
+                <a:lumOff val="0"/>
+                <a:alphaOff val="0"/>
+                <a:shade val="51000"/>
+                <a:satMod val="130000"/>
+              </a:schemeClr>
+            </a:gs>
+            <a:gs pos="80000">
+              <a:schemeClr val="accent1">
+                <a:hueOff val="0"/>
+                <a:satOff val="0"/>
+                <a:lumOff val="0"/>
+                <a:alphaOff val="0"/>
+                <a:shade val="93000"/>
+                <a:satMod val="130000"/>
+              </a:schemeClr>
+            </a:gs>
+            <a:gs pos="100000">
+              <a:schemeClr val="accent1">
+                <a:hueOff val="0"/>
+                <a:satOff val="0"/>
+                <a:lumOff val="0"/>
+                <a:alphaOff val="0"/>
+                <a:shade val="94000"/>
+                <a:satMod val="135000"/>
+              </a:schemeClr>
+            </a:gs>
+          </a:gsLst>
+          <a:lin ang="16200000" scaled="0"/>
+        </a:gradFill>
+        <a:ln>
+          <a:noFill/>
+        </a:ln>
+        <a:effectLst>
+          <a:outerShdw blurRad="40000" dist="23000" dir="5400000" rotWithShape="0">
+            <a:srgbClr val="000000">
+              <a:alpha val="35000"/>
+            </a:srgbClr>
+          </a:outerShdw>
+        </a:effectLst>
+      </dsp:spPr>
+      <dsp:style>
+        <a:lnRef idx="0">
+          <a:scrgbClr r="0" g="0" b="0"/>
+        </a:lnRef>
+        <a:fillRef idx="3">
+          <a:scrgbClr r="0" g="0" b="0"/>
+        </a:fillRef>
+        <a:effectRef idx="2">
+          <a:scrgbClr r="0" g="0" b="0"/>
+        </a:effectRef>
+        <a:fontRef idx="minor">
+          <a:schemeClr val="lt1"/>
+        </a:fontRef>
+      </dsp:style>
+      <dsp:txBody>
+        <a:bodyPr spcFirstLastPara="0" vert="horz" wrap="square" lIns="0" tIns="0" rIns="0" bIns="0" numCol="1" spcCol="1270" anchor="ctr" anchorCtr="0">
+          <a:noAutofit/>
+        </a:bodyPr>
+        <a:lstStyle/>
+        <a:p>
+          <a:pPr lvl="0" algn="ctr" defTabSz="1600200">
+            <a:lnSpc>
+              <a:spcPct val="90000"/>
+            </a:lnSpc>
+            <a:spcBef>
+              <a:spcPct val="0"/>
+            </a:spcBef>
+            <a:spcAft>
+              <a:spcPct val="35000"/>
+            </a:spcAft>
+          </a:pPr>
+          <a:r>
+            <a:rPr lang="en-US" sz="3600" kern="1200" dirty="0" smtClean="0"/>
+            <a:t>Test</a:t>
+          </a:r>
+          <a:endParaRPr lang="en-US" sz="3600" kern="1200" dirty="0"/>
+        </a:p>
+      </dsp:txBody>
+      <dsp:txXfrm>
+        <a:off x="4351111" y="1441349"/>
+        <a:ext cx="1352511" cy="1352511"/>
+      </dsp:txXfrm>
+    </dsp:sp>
   </dsp:spTree>
 </dsp:drawing>
 </file>
@@ -3353,6 +5314,310 @@
       <dsp:cNvGrpSpPr/>
     </dsp:nvGrpSpPr>
     <dsp:grpSpPr/>
+    <dsp:sp modelId="{6157217D-45B9-8D40-8A08-740F1488883D}">
+      <dsp:nvSpPr>
+        <dsp:cNvPr id="0" name=""/>
+        <dsp:cNvSpPr/>
+      </dsp:nvSpPr>
+      <dsp:spPr>
+        <a:xfrm>
+          <a:off x="108481" y="1293"/>
+          <a:ext cx="2557788" cy="1897856"/>
+        </a:xfrm>
+        <a:prstGeom prst="chevron">
+          <a:avLst/>
+        </a:prstGeom>
+        <a:blipFill rotWithShape="0">
+          <a:blip xmlns:r="http://schemas.openxmlformats.org/officeDocument/2006/relationships" r:embed="rId1"/>
+          <a:stretch>
+            <a:fillRect/>
+          </a:stretch>
+        </a:blipFill>
+        <a:ln>
+          <a:noFill/>
+        </a:ln>
+        <a:effectLst>
+          <a:outerShdw blurRad="40000" dist="23000" dir="5400000" rotWithShape="0">
+            <a:srgbClr val="000000">
+              <a:alpha val="35000"/>
+            </a:srgbClr>
+          </a:outerShdw>
+        </a:effectLst>
+      </dsp:spPr>
+      <dsp:style>
+        <a:lnRef idx="0">
+          <a:scrgbClr r="0" g="0" b="0"/>
+        </a:lnRef>
+        <a:fillRef idx="3">
+          <a:scrgbClr r="0" g="0" b="0"/>
+        </a:fillRef>
+        <a:effectRef idx="2">
+          <a:scrgbClr r="0" g="0" b="0"/>
+        </a:effectRef>
+        <a:fontRef idx="minor">
+          <a:schemeClr val="lt1"/>
+        </a:fontRef>
+      </dsp:style>
+      <dsp:txBody>
+        <a:bodyPr spcFirstLastPara="0" vert="horz" wrap="square" lIns="17780" tIns="8890" rIns="0" bIns="8890" numCol="1" spcCol="1270" anchor="ctr" anchorCtr="0">
+          <a:noAutofit/>
+        </a:bodyPr>
+        <a:lstStyle/>
+        <a:p>
+          <a:pPr lvl="0" algn="ctr" defTabSz="622300">
+            <a:lnSpc>
+              <a:spcPct val="90000"/>
+            </a:lnSpc>
+            <a:spcBef>
+              <a:spcPct val="0"/>
+            </a:spcBef>
+            <a:spcAft>
+              <a:spcPct val="35000"/>
+            </a:spcAft>
+          </a:pPr>
+          <a:r>
+            <a:rPr lang="en-US" sz="1400" kern="1200" dirty="0" smtClean="0"/>
+            <a:t>Firefox</a:t>
+          </a:r>
+          <a:endParaRPr lang="en-US" sz="1400" kern="1200" dirty="0"/>
+        </a:p>
+      </dsp:txBody>
+      <dsp:txXfrm>
+        <a:off x="1057409" y="1293"/>
+        <a:ext cx="659932" cy="1897856"/>
+      </dsp:txXfrm>
+    </dsp:sp>
+    <dsp:sp modelId="{8FBE0FDF-3A0B-E94A-85EF-309A5C5983C2}">
+      <dsp:nvSpPr>
+        <dsp:cNvPr id="0" name=""/>
+        <dsp:cNvSpPr/>
+      </dsp:nvSpPr>
+      <dsp:spPr>
+        <a:xfrm>
+          <a:off x="2049466" y="162611"/>
+          <a:ext cx="3938051" cy="1575220"/>
+        </a:xfrm>
+        <a:prstGeom prst="chevron">
+          <a:avLst/>
+        </a:prstGeom>
+        <a:solidFill>
+          <a:schemeClr val="accent1">
+            <a:alpha val="90000"/>
+            <a:tint val="40000"/>
+            <a:hueOff val="0"/>
+            <a:satOff val="0"/>
+            <a:lumOff val="0"/>
+            <a:alphaOff val="0"/>
+          </a:schemeClr>
+        </a:solidFill>
+        <a:ln w="9525" cap="flat" cmpd="sng" algn="ctr">
+          <a:solidFill>
+            <a:schemeClr val="accent1">
+              <a:alpha val="90000"/>
+              <a:tint val="40000"/>
+              <a:hueOff val="0"/>
+              <a:satOff val="0"/>
+              <a:lumOff val="0"/>
+              <a:alphaOff val="0"/>
+            </a:schemeClr>
+          </a:solidFill>
+          <a:prstDash val="solid"/>
+        </a:ln>
+        <a:effectLst/>
+      </dsp:spPr>
+      <dsp:style>
+        <a:lnRef idx="1">
+          <a:scrgbClr r="0" g="0" b="0"/>
+        </a:lnRef>
+        <a:fillRef idx="1">
+          <a:scrgbClr r="0" g="0" b="0"/>
+        </a:fillRef>
+        <a:effectRef idx="0">
+          <a:scrgbClr r="0" g="0" b="0"/>
+        </a:effectRef>
+        <a:fontRef idx="minor"/>
+      </dsp:style>
+      <dsp:txBody>
+        <a:bodyPr spcFirstLastPara="0" vert="horz" wrap="square" lIns="82550" tIns="41275" rIns="0" bIns="41275" numCol="1" spcCol="1270" anchor="ctr" anchorCtr="0">
+          <a:noAutofit/>
+        </a:bodyPr>
+        <a:lstStyle/>
+        <a:p>
+          <a:pPr lvl="0" algn="ctr" defTabSz="2889250">
+            <a:lnSpc>
+              <a:spcPct val="90000"/>
+            </a:lnSpc>
+            <a:spcBef>
+              <a:spcPct val="0"/>
+            </a:spcBef>
+            <a:spcAft>
+              <a:spcPct val="35000"/>
+            </a:spcAft>
+          </a:pPr>
+          <a:r>
+            <a:rPr lang="en-US" sz="6500" kern="1200" dirty="0" smtClean="0"/>
+            <a:t>Test1</a:t>
+          </a:r>
+          <a:endParaRPr lang="en-US" sz="6500" kern="1200" dirty="0"/>
+        </a:p>
+      </dsp:txBody>
+      <dsp:txXfrm>
+        <a:off x="2837076" y="162611"/>
+        <a:ext cx="2362831" cy="1575220"/>
+      </dsp:txXfrm>
+    </dsp:sp>
+    <dsp:sp modelId="{CD9E2644-C6C2-DD49-BAF8-1889D201421A}">
+      <dsp:nvSpPr>
+        <dsp:cNvPr id="0" name=""/>
+        <dsp:cNvSpPr/>
+      </dsp:nvSpPr>
+      <dsp:spPr>
+        <a:xfrm>
+          <a:off x="108481" y="2164849"/>
+          <a:ext cx="2549200" cy="1897856"/>
+        </a:xfrm>
+        <a:prstGeom prst="chevron">
+          <a:avLst/>
+        </a:prstGeom>
+        <a:blipFill rotWithShape="0">
+          <a:blip xmlns:r="http://schemas.openxmlformats.org/officeDocument/2006/relationships" r:embed="rId2"/>
+          <a:stretch>
+            <a:fillRect/>
+          </a:stretch>
+        </a:blipFill>
+        <a:ln>
+          <a:noFill/>
+        </a:ln>
+        <a:effectLst>
+          <a:outerShdw blurRad="40000" dist="23000" dir="5400000" rotWithShape="0">
+            <a:srgbClr val="000000">
+              <a:alpha val="35000"/>
+            </a:srgbClr>
+          </a:outerShdw>
+        </a:effectLst>
+      </dsp:spPr>
+      <dsp:style>
+        <a:lnRef idx="0">
+          <a:scrgbClr r="0" g="0" b="0"/>
+        </a:lnRef>
+        <a:fillRef idx="3">
+          <a:scrgbClr r="0" g="0" b="0"/>
+        </a:fillRef>
+        <a:effectRef idx="2">
+          <a:scrgbClr r="0" g="0" b="0"/>
+        </a:effectRef>
+        <a:fontRef idx="minor">
+          <a:schemeClr val="lt1"/>
+        </a:fontRef>
+      </dsp:style>
+      <dsp:txBody>
+        <a:bodyPr spcFirstLastPara="0" vert="horz" wrap="square" lIns="17780" tIns="8890" rIns="0" bIns="8890" numCol="1" spcCol="1270" anchor="ctr" anchorCtr="0">
+          <a:noAutofit/>
+        </a:bodyPr>
+        <a:lstStyle/>
+        <a:p>
+          <a:pPr lvl="0" algn="ctr" defTabSz="622300">
+            <a:lnSpc>
+              <a:spcPct val="90000"/>
+            </a:lnSpc>
+            <a:spcBef>
+              <a:spcPct val="0"/>
+            </a:spcBef>
+            <a:spcAft>
+              <a:spcPct val="35000"/>
+            </a:spcAft>
+          </a:pPr>
+          <a:r>
+            <a:rPr lang="en-US" sz="1400" kern="1200" dirty="0" smtClean="0"/>
+            <a:t>Chrome</a:t>
+          </a:r>
+          <a:endParaRPr lang="en-US" sz="1400" kern="1200" dirty="0"/>
+        </a:p>
+      </dsp:txBody>
+      <dsp:txXfrm>
+        <a:off x="1057409" y="2164849"/>
+        <a:ext cx="651344" cy="1897856"/>
+      </dsp:txXfrm>
+    </dsp:sp>
+    <dsp:sp modelId="{D56D46C3-F676-E947-996D-9E8584582946}">
+      <dsp:nvSpPr>
+        <dsp:cNvPr id="0" name=""/>
+        <dsp:cNvSpPr/>
+      </dsp:nvSpPr>
+      <dsp:spPr>
+        <a:xfrm>
+          <a:off x="2040878" y="2326167"/>
+          <a:ext cx="3938051" cy="1575220"/>
+        </a:xfrm>
+        <a:prstGeom prst="chevron">
+          <a:avLst/>
+        </a:prstGeom>
+        <a:solidFill>
+          <a:schemeClr val="accent1">
+            <a:alpha val="90000"/>
+            <a:tint val="40000"/>
+            <a:hueOff val="0"/>
+            <a:satOff val="0"/>
+            <a:lumOff val="0"/>
+            <a:alphaOff val="0"/>
+          </a:schemeClr>
+        </a:solidFill>
+        <a:ln w="9525" cap="flat" cmpd="sng" algn="ctr">
+          <a:solidFill>
+            <a:schemeClr val="accent1">
+              <a:alpha val="90000"/>
+              <a:tint val="40000"/>
+              <a:hueOff val="0"/>
+              <a:satOff val="0"/>
+              <a:lumOff val="0"/>
+              <a:alphaOff val="0"/>
+            </a:schemeClr>
+          </a:solidFill>
+          <a:prstDash val="solid"/>
+        </a:ln>
+        <a:effectLst/>
+      </dsp:spPr>
+      <dsp:style>
+        <a:lnRef idx="1">
+          <a:scrgbClr r="0" g="0" b="0"/>
+        </a:lnRef>
+        <a:fillRef idx="1">
+          <a:scrgbClr r="0" g="0" b="0"/>
+        </a:fillRef>
+        <a:effectRef idx="0">
+          <a:scrgbClr r="0" g="0" b="0"/>
+        </a:effectRef>
+        <a:fontRef idx="minor"/>
+      </dsp:style>
+      <dsp:txBody>
+        <a:bodyPr spcFirstLastPara="0" vert="horz" wrap="square" lIns="82550" tIns="41275" rIns="0" bIns="41275" numCol="1" spcCol="1270" anchor="ctr" anchorCtr="0">
+          <a:noAutofit/>
+        </a:bodyPr>
+        <a:lstStyle/>
+        <a:p>
+          <a:pPr lvl="0" algn="ctr" defTabSz="2889250">
+            <a:lnSpc>
+              <a:spcPct val="90000"/>
+            </a:lnSpc>
+            <a:spcBef>
+              <a:spcPct val="0"/>
+            </a:spcBef>
+            <a:spcAft>
+              <a:spcPct val="35000"/>
+            </a:spcAft>
+          </a:pPr>
+          <a:r>
+            <a:rPr lang="en-US" sz="6500" kern="1200" dirty="0" smtClean="0"/>
+            <a:t>Test1</a:t>
+          </a:r>
+          <a:endParaRPr lang="en-US" sz="6500" kern="1200" dirty="0"/>
+        </a:p>
+      </dsp:txBody>
+      <dsp:txXfrm>
+        <a:off x="2828488" y="2326167"/>
+        <a:ext cx="2362831" cy="1575220"/>
+      </dsp:txXfrm>
+    </dsp:sp>
   </dsp:spTree>
 </dsp:drawing>
 </file>
@@ -8057,7 +10322,7 @@
             <a:fld id="{BD9126CF-4F65-4BF4-BBD9-D914DA1970EE}" type="datetimeFigureOut">
               <a:rPr lang="en-US" smtClean="0"/>
               <a:pPr/>
-              <a:t>5/10/2016</a:t>
+              <a:t>5/11/2016</a:t>
             </a:fld>
             <a:endParaRPr lang="en-US"/>
           </a:p>
@@ -8489,7 +10754,7 @@
                 </a:solidFill>
               </a:rPr>
               <a:pPr defTabSz="914400"/>
-              <a:t>10/05/2016</a:t>
+              <a:t>11/05/2016</a:t>
             </a:fld>
             <a:endParaRPr lang="en-GB">
               <a:solidFill>
@@ -11051,7 +13316,7 @@
                 </a:solidFill>
               </a:rPr>
               <a:pPr defTabSz="914400"/>
-              <a:t>10/05/2016</a:t>
+              <a:t>11/05/2016</a:t>
             </a:fld>
             <a:endParaRPr lang="en-GB">
               <a:solidFill>
@@ -16319,7 +18584,7 @@
                 </a:solidFill>
               </a:rPr>
               <a:pPr defTabSz="914400"/>
-              <a:t>10/05/2016</a:t>
+              <a:t>11/05/2016</a:t>
             </a:fld>
             <a:endParaRPr lang="en-GB">
               <a:solidFill>
@@ -35514,14 +37779,14 @@
           <a:effectLst/>
           <a:extLst>
             <a:ext uri="{909E8E84-426E-40dd-AFC4-6F175D3DCCD1}">
-              <a14:hiddenFill xmlns="" xmlns:a14="http://schemas.microsoft.com/office/drawing/2010/main">
+              <a14:hiddenFill xmlns:a14="http://schemas.microsoft.com/office/drawing/2010/main" xmlns="">
                 <a:solidFill>
                   <a:srgbClr val="00B8FF"/>
                 </a:solidFill>
               </a14:hiddenFill>
             </a:ext>
             <a:ext uri="{91240B29-F687-4f45-9708-019B960494DF}">
-              <a14:hiddenLine xmlns="" xmlns:a14="http://schemas.microsoft.com/office/drawing/2010/main" w="9525">
+              <a14:hiddenLine xmlns:a14="http://schemas.microsoft.com/office/drawing/2010/main" xmlns="" w="9525">
                 <a:solidFill>
                   <a:schemeClr val="tx1"/>
                 </a:solidFill>
@@ -35531,7 +37796,7 @@
               </a14:hiddenLine>
             </a:ext>
             <a:ext uri="{AF507438-7753-43e0-B8FC-AC1667EBCBE1}">
-              <a14:hiddenEffects xmlns="" xmlns:a14="http://schemas.microsoft.com/office/drawing/2010/main">
+              <a14:hiddenEffects xmlns:a14="http://schemas.microsoft.com/office/drawing/2010/main" xmlns="">
                 <a:effectLst>
                   <a:outerShdw blurRad="63500" dist="38099" dir="2700000" algn="ctr" rotWithShape="0">
                     <a:schemeClr val="bg2">
@@ -35942,14 +38207,14 @@
           <a:effectLst/>
           <a:extLst>
             <a:ext uri="{909E8E84-426E-40dd-AFC4-6F175D3DCCD1}">
-              <a14:hiddenFill xmlns="" xmlns:a14="http://schemas.microsoft.com/office/drawing/2010/main">
+              <a14:hiddenFill xmlns:a14="http://schemas.microsoft.com/office/drawing/2010/main" xmlns="">
                 <a:solidFill>
                   <a:srgbClr val="00B8FF"/>
                 </a:solidFill>
               </a14:hiddenFill>
             </a:ext>
             <a:ext uri="{91240B29-F687-4f45-9708-019B960494DF}">
-              <a14:hiddenLine xmlns="" xmlns:a14="http://schemas.microsoft.com/office/drawing/2010/main" w="9525">
+              <a14:hiddenLine xmlns:a14="http://schemas.microsoft.com/office/drawing/2010/main" xmlns="" w="9525">
                 <a:solidFill>
                   <a:schemeClr val="tx1"/>
                 </a:solidFill>
@@ -35959,7 +38224,7 @@
               </a14:hiddenLine>
             </a:ext>
             <a:ext uri="{AF507438-7753-43e0-B8FC-AC1667EBCBE1}">
-              <a14:hiddenEffects xmlns="" xmlns:a14="http://schemas.microsoft.com/office/drawing/2010/main">
+              <a14:hiddenEffects xmlns:a14="http://schemas.microsoft.com/office/drawing/2010/main" xmlns="">
                 <a:effectLst>
                   <a:outerShdw blurRad="63500" dist="38099" dir="2700000" algn="ctr" rotWithShape="0">
                     <a:schemeClr val="bg2">
@@ -36468,6 +38733,1745 @@
         </p:nvSpPr>
         <p:spPr>
           <a:xfrm>
+            <a:off x="429361" y="502156"/>
+            <a:ext cx="8366908" cy="1078992"/>
+          </a:xfrm>
+        </p:spPr>
+        <p:txBody>
+          <a:bodyPr/>
+          <a:lstStyle/>
+          <a:p>
+            <a:pPr>
+              <a:lnSpc>
+                <a:spcPct val="150000"/>
+              </a:lnSpc>
+            </a:pPr>
+            <a:r>
+              <a:rPr lang="en-US" sz="2800" dirty="0">
+                <a:latin typeface="Calibri" panose="020F0502020204030204" pitchFamily="34" charset="0"/>
+              </a:rPr>
+              <a:t>TestNG </a:t>
+            </a:r>
+            <a:r>
+              <a:rPr lang="en-US" sz="2800" dirty="0" smtClean="0">
+                <a:latin typeface="Calibri" panose="020F0502020204030204" pitchFamily="34" charset="0"/>
+              </a:rPr>
+              <a:t>Listeners</a:t>
+            </a:r>
+            <a:endParaRPr lang="en-US" sz="2800" dirty="0">
+              <a:latin typeface="Calibri" panose="020F0502020204030204" pitchFamily="34" charset="0"/>
+            </a:endParaRPr>
+          </a:p>
+        </p:txBody>
+      </p:sp>
+      <p:sp>
+        <p:nvSpPr>
+          <p:cNvPr id="3" name="Subtitle 2"/>
+          <p:cNvSpPr>
+            <a:spLocks noGrp="1"/>
+          </p:cNvSpPr>
+          <p:nvPr>
+            <p:ph type="subTitle" idx="1"/>
+          </p:nvPr>
+        </p:nvSpPr>
+        <p:spPr>
+          <a:xfrm>
+            <a:off x="429360" y="1820572"/>
+            <a:ext cx="8366909" cy="4129468"/>
+          </a:xfrm>
+        </p:spPr>
+        <p:txBody>
+          <a:bodyPr vert="horz" lIns="0" tIns="0" rIns="0" bIns="0" rtlCol="0">
+            <a:noAutofit/>
+          </a:bodyPr>
+          <a:lstStyle/>
+          <a:p>
+            <a:pPr>
+              <a:lnSpc>
+                <a:spcPct val="150000"/>
+              </a:lnSpc>
+            </a:pPr>
+            <a:r>
+              <a:rPr lang="en-US" dirty="0">
+                <a:latin typeface="Calibri" panose="020F0502020204030204" pitchFamily="34" charset="0"/>
+              </a:rPr>
+              <a:t>There are many types of listeners available in TestNG for </a:t>
+            </a:r>
+            <a:r>
+              <a:rPr lang="en-US" dirty="0">
+                <a:latin typeface="Calibri" panose="020F0502020204030204" pitchFamily="34" charset="0"/>
+              </a:rPr>
+              <a:t>example:</a:t>
+            </a:r>
+            <a:r>
+              <a:rPr lang="en-US" dirty="0">
+                <a:latin typeface="Calibri" panose="020F0502020204030204" pitchFamily="34" charset="0"/>
+              </a:rPr>
+              <a:t> </a:t>
+            </a:r>
+            <a:r>
+              <a:rPr lang="en-US" dirty="0" err="1">
+                <a:latin typeface="Calibri" panose="020F0502020204030204" pitchFamily="34" charset="0"/>
+              </a:rPr>
+              <a:t>IAnnotationTransformer</a:t>
+            </a:r>
+            <a:r>
+              <a:rPr lang="en-US" dirty="0">
+                <a:latin typeface="Calibri" panose="020F0502020204030204" pitchFamily="34" charset="0"/>
+              </a:rPr>
+              <a:t>, IAnnotationTransformer2, </a:t>
+            </a:r>
+            <a:r>
+              <a:rPr lang="en-US" dirty="0" err="1">
+                <a:latin typeface="Calibri" panose="020F0502020204030204" pitchFamily="34" charset="0"/>
+              </a:rPr>
+              <a:t>IConfigurable</a:t>
+            </a:r>
+            <a:r>
+              <a:rPr lang="en-US" dirty="0">
+                <a:latin typeface="Calibri" panose="020F0502020204030204" pitchFamily="34" charset="0"/>
+              </a:rPr>
+              <a:t>, </a:t>
+            </a:r>
+            <a:r>
+              <a:rPr lang="en-US" dirty="0" err="1">
+                <a:latin typeface="Calibri" panose="020F0502020204030204" pitchFamily="34" charset="0"/>
+              </a:rPr>
+              <a:t>IConfigurationListener</a:t>
+            </a:r>
+            <a:r>
+              <a:rPr lang="en-US" dirty="0">
+                <a:latin typeface="Calibri" panose="020F0502020204030204" pitchFamily="34" charset="0"/>
+              </a:rPr>
+              <a:t>, IConfigurationListener2, </a:t>
+            </a:r>
+            <a:r>
+              <a:rPr lang="en-US" dirty="0" err="1">
+                <a:latin typeface="Calibri" panose="020F0502020204030204" pitchFamily="34" charset="0"/>
+              </a:rPr>
+              <a:t>IExecutionListener</a:t>
+            </a:r>
+            <a:r>
+              <a:rPr lang="en-US" dirty="0">
+                <a:latin typeface="Calibri" panose="020F0502020204030204" pitchFamily="34" charset="0"/>
+              </a:rPr>
+              <a:t>, </a:t>
+            </a:r>
+            <a:r>
+              <a:rPr lang="en-US" dirty="0" err="1">
+                <a:latin typeface="Calibri" panose="020F0502020204030204" pitchFamily="34" charset="0"/>
+              </a:rPr>
+              <a:t>IHookable</a:t>
+            </a:r>
+            <a:r>
+              <a:rPr lang="en-US" dirty="0">
+                <a:latin typeface="Calibri" panose="020F0502020204030204" pitchFamily="34" charset="0"/>
+              </a:rPr>
+              <a:t>, </a:t>
+            </a:r>
+            <a:r>
+              <a:rPr lang="en-US" dirty="0" err="1">
+                <a:latin typeface="Calibri" panose="020F0502020204030204" pitchFamily="34" charset="0"/>
+              </a:rPr>
+              <a:t>IInvokedMethodListener</a:t>
+            </a:r>
+            <a:r>
+              <a:rPr lang="en-US" dirty="0">
+                <a:latin typeface="Calibri" panose="020F0502020204030204" pitchFamily="34" charset="0"/>
+              </a:rPr>
+              <a:t>, IInvokedMethodListener2, </a:t>
+            </a:r>
+            <a:r>
+              <a:rPr lang="en-US" dirty="0" err="1">
+                <a:latin typeface="Calibri" panose="020F0502020204030204" pitchFamily="34" charset="0"/>
+              </a:rPr>
+              <a:t>IMethodInterceptor</a:t>
+            </a:r>
+            <a:r>
+              <a:rPr lang="en-US" dirty="0">
+                <a:latin typeface="Calibri" panose="020F0502020204030204" pitchFamily="34" charset="0"/>
+              </a:rPr>
+              <a:t>, </a:t>
+            </a:r>
+            <a:r>
+              <a:rPr lang="en-US" dirty="0" err="1">
+                <a:latin typeface="Calibri" panose="020F0502020204030204" pitchFamily="34" charset="0"/>
+              </a:rPr>
+              <a:t>IReporter</a:t>
+            </a:r>
+            <a:r>
+              <a:rPr lang="en-US" dirty="0">
+                <a:latin typeface="Calibri" panose="020F0502020204030204" pitchFamily="34" charset="0"/>
+              </a:rPr>
+              <a:t>, </a:t>
+            </a:r>
+            <a:r>
+              <a:rPr lang="en-US" dirty="0" err="1">
+                <a:latin typeface="Calibri" panose="020F0502020204030204" pitchFamily="34" charset="0"/>
+              </a:rPr>
+              <a:t>ISuiteListener</a:t>
+            </a:r>
+            <a:r>
+              <a:rPr lang="en-US" dirty="0">
+                <a:latin typeface="Calibri" panose="020F0502020204030204" pitchFamily="34" charset="0"/>
+              </a:rPr>
+              <a:t>, </a:t>
+            </a:r>
+            <a:r>
+              <a:rPr lang="en-US" dirty="0" err="1">
+                <a:latin typeface="Calibri" panose="020F0502020204030204" pitchFamily="34" charset="0"/>
+              </a:rPr>
+              <a:t>ITestListener</a:t>
+            </a:r>
+            <a:r>
+              <a:rPr lang="en-US" dirty="0">
+                <a:latin typeface="Calibri" panose="020F0502020204030204" pitchFamily="34" charset="0"/>
+              </a:rPr>
+              <a:t>.</a:t>
+            </a:r>
+          </a:p>
+        </p:txBody>
+      </p:sp>
+      <p:pic>
+        <p:nvPicPr>
+          <p:cNvPr id="5" name="Picture 4"/>
+          <p:cNvPicPr>
+            <a:picLocks noChangeAspect="1"/>
+          </p:cNvPicPr>
+          <p:nvPr/>
+        </p:nvPicPr>
+        <p:blipFill rotWithShape="1">
+          <a:blip r:embed="rId2"/>
+          <a:srcRect l="10027" t="22632" r="30745" b="27895"/>
+          <a:stretch/>
+        </p:blipFill>
+        <p:spPr>
+          <a:xfrm>
+            <a:off x="429360" y="5950040"/>
+            <a:ext cx="1592624" cy="470775"/>
+          </a:xfrm>
+          <a:prstGeom prst="rect">
+            <a:avLst/>
+          </a:prstGeom>
+          <a:solidFill>
+            <a:srgbClr val="FFFFFF">
+              <a:shade val="85000"/>
+            </a:srgbClr>
+          </a:solidFill>
+          <a:ln w="101600" cap="sq">
+            <a:solidFill>
+              <a:srgbClr val="FDFDFD"/>
+            </a:solidFill>
+            <a:miter lim="800000"/>
+          </a:ln>
+          <a:effectLst>
+            <a:outerShdw blurRad="57150" dist="37500" dir="7560000" sy="98000" kx="110000" ky="200000" algn="tl" rotWithShape="0">
+              <a:srgbClr val="000000">
+                <a:alpha val="20000"/>
+              </a:srgbClr>
+            </a:outerShdw>
+          </a:effectLst>
+          <a:scene3d>
+            <a:camera prst="perspectiveRelaxed">
+              <a:rot lat="18960000" lon="0" rev="0"/>
+            </a:camera>
+            <a:lightRig rig="twoPt" dir="t">
+              <a:rot lat="0" lon="0" rev="7200000"/>
+            </a:lightRig>
+          </a:scene3d>
+          <a:sp3d prstMaterial="matte">
+            <a:bevelT w="22860" h="12700"/>
+            <a:contourClr>
+              <a:srgbClr val="FFFFFF"/>
+            </a:contourClr>
+          </a:sp3d>
+        </p:spPr>
+      </p:pic>
+    </p:spTree>
+    <p:extLst>
+      <p:ext uri="{BB962C8B-B14F-4D97-AF65-F5344CB8AC3E}">
+        <p14:creationId xmlns:p14="http://schemas.microsoft.com/office/powerpoint/2010/main" val="3655785324"/>
+      </p:ext>
+    </p:extLst>
+  </p:cSld>
+  <p:clrMapOvr>
+    <a:masterClrMapping/>
+  </p:clrMapOvr>
+  <p:timing>
+    <p:tnLst>
+      <p:par>
+        <p:cTn id="1" dur="indefinite" restart="never" nodeType="tmRoot"/>
+      </p:par>
+    </p:tnLst>
+  </p:timing>
+</p:sld>
+</file>
+
+<file path=ppt/slides/slide19.xml><?xml version="1.0" encoding="utf-8"?>
+<p:sld xmlns:a="http://schemas.openxmlformats.org/drawingml/2006/main" xmlns:r="http://schemas.openxmlformats.org/officeDocument/2006/relationships" xmlns:p="http://schemas.openxmlformats.org/presentationml/2006/main">
+  <p:cSld>
+    <p:spTree>
+      <p:nvGrpSpPr>
+        <p:cNvPr id="1" name=""/>
+        <p:cNvGrpSpPr/>
+        <p:nvPr/>
+      </p:nvGrpSpPr>
+      <p:grpSpPr>
+        <a:xfrm>
+          <a:off x="0" y="0"/>
+          <a:ext cx="0" cy="0"/>
+          <a:chOff x="0" y="0"/>
+          <a:chExt cx="0" cy="0"/>
+        </a:xfrm>
+      </p:grpSpPr>
+      <p:sp>
+        <p:nvSpPr>
+          <p:cNvPr id="2" name="Title 1"/>
+          <p:cNvSpPr>
+            <a:spLocks noGrp="1"/>
+          </p:cNvSpPr>
+          <p:nvPr>
+            <p:ph type="ctrTitle"/>
+          </p:nvPr>
+        </p:nvSpPr>
+        <p:spPr>
+          <a:xfrm>
+            <a:off x="429361" y="502156"/>
+            <a:ext cx="8366908" cy="1078992"/>
+          </a:xfrm>
+        </p:spPr>
+        <p:txBody>
+          <a:bodyPr/>
+          <a:lstStyle/>
+          <a:p>
+            <a:pPr>
+              <a:lnSpc>
+                <a:spcPct val="150000"/>
+              </a:lnSpc>
+            </a:pPr>
+            <a:r>
+              <a:rPr lang="en-US" sz="2800" dirty="0">
+                <a:latin typeface="Calibri" panose="020F0502020204030204" pitchFamily="34" charset="0"/>
+              </a:rPr>
+              <a:t>TestNG </a:t>
+            </a:r>
+            <a:r>
+              <a:rPr lang="en-US" sz="2800" dirty="0">
+                <a:latin typeface="Calibri" panose="020F0502020204030204" pitchFamily="34" charset="0"/>
+              </a:rPr>
+              <a:t>Listeners					… continued</a:t>
+            </a:r>
+            <a:endParaRPr lang="en-US" sz="2800" dirty="0">
+              <a:latin typeface="Calibri" panose="020F0502020204030204" pitchFamily="34" charset="0"/>
+            </a:endParaRPr>
+          </a:p>
+        </p:txBody>
+      </p:sp>
+      <p:sp>
+        <p:nvSpPr>
+          <p:cNvPr id="3" name="Subtitle 2"/>
+          <p:cNvSpPr>
+            <a:spLocks noGrp="1"/>
+          </p:cNvSpPr>
+          <p:nvPr>
+            <p:ph type="subTitle" idx="1"/>
+          </p:nvPr>
+        </p:nvSpPr>
+        <p:spPr>
+          <a:xfrm>
+            <a:off x="429360" y="1820572"/>
+            <a:ext cx="8366909" cy="4129468"/>
+          </a:xfrm>
+        </p:spPr>
+        <p:txBody>
+          <a:bodyPr/>
+          <a:lstStyle/>
+          <a:p>
+            <a:pPr marL="342900" indent="-342900">
+              <a:lnSpc>
+                <a:spcPct val="150000"/>
+              </a:lnSpc>
+              <a:buFont typeface="Wingdings" panose="05000000000000000000" pitchFamily="2" charset="2"/>
+              <a:buChar char="Ø"/>
+            </a:pPr>
+            <a:r>
+              <a:rPr lang="en-US" b="1" dirty="0" err="1">
+                <a:latin typeface="Calibri" panose="020F0502020204030204" pitchFamily="34" charset="0"/>
+              </a:rPr>
+              <a:t>ISuiteListener</a:t>
+            </a:r>
+            <a:r>
+              <a:rPr lang="en-US" dirty="0">
+                <a:latin typeface="Calibri" panose="020F0502020204030204" pitchFamily="34" charset="0"/>
+              </a:rPr>
+              <a:t>: It has two method in it </a:t>
+            </a:r>
+            <a:r>
+              <a:rPr lang="en-US" dirty="0" err="1">
+                <a:latin typeface="Calibri" panose="020F0502020204030204" pitchFamily="34" charset="0"/>
+              </a:rPr>
+              <a:t>onStart</a:t>
+            </a:r>
+            <a:r>
+              <a:rPr lang="en-US" dirty="0">
+                <a:latin typeface="Calibri" panose="020F0502020204030204" pitchFamily="34" charset="0"/>
+              </a:rPr>
+              <a:t>() &amp; </a:t>
+            </a:r>
+            <a:r>
+              <a:rPr lang="en-US" dirty="0" err="1">
+                <a:latin typeface="Calibri" panose="020F0502020204030204" pitchFamily="34" charset="0"/>
+              </a:rPr>
+              <a:t>onFinish</a:t>
+            </a:r>
+            <a:r>
+              <a:rPr lang="en-US" dirty="0">
+                <a:latin typeface="Calibri" panose="020F0502020204030204" pitchFamily="34" charset="0"/>
+              </a:rPr>
+              <a:t>(). Whenever a class implements this listener, TestNG guarantees the end-user that it will invoke the methods </a:t>
+            </a:r>
+            <a:r>
+              <a:rPr lang="en-US" dirty="0" err="1">
+                <a:latin typeface="Calibri" panose="020F0502020204030204" pitchFamily="34" charset="0"/>
+              </a:rPr>
+              <a:t>onStart</a:t>
+            </a:r>
+            <a:r>
+              <a:rPr lang="en-US" dirty="0">
+                <a:latin typeface="Calibri" panose="020F0502020204030204" pitchFamily="34" charset="0"/>
+              </a:rPr>
+              <a:t>() and </a:t>
+            </a:r>
+            <a:r>
+              <a:rPr lang="en-US" dirty="0" err="1">
+                <a:latin typeface="Calibri" panose="020F0502020204030204" pitchFamily="34" charset="0"/>
+              </a:rPr>
+              <a:t>onFinish</a:t>
+            </a:r>
+            <a:r>
+              <a:rPr lang="en-US" dirty="0">
+                <a:latin typeface="Calibri" panose="020F0502020204030204" pitchFamily="34" charset="0"/>
+              </a:rPr>
+              <a:t>() before and after running a TestNG Suite. So before TestNG picks up your suite for execution, it first makes a call to </a:t>
+            </a:r>
+            <a:r>
+              <a:rPr lang="en-US" dirty="0" err="1">
+                <a:latin typeface="Calibri" panose="020F0502020204030204" pitchFamily="34" charset="0"/>
+              </a:rPr>
+              <a:t>onStart</a:t>
+            </a:r>
+            <a:r>
+              <a:rPr lang="en-US" dirty="0">
+                <a:latin typeface="Calibri" panose="020F0502020204030204" pitchFamily="34" charset="0"/>
+              </a:rPr>
+              <a:t>() method and runs whatever has been scripted in this method. In a similar way, it again makes a call to </a:t>
+            </a:r>
+            <a:r>
+              <a:rPr lang="en-US" dirty="0" err="1">
+                <a:latin typeface="Calibri" panose="020F0502020204030204" pitchFamily="34" charset="0"/>
+              </a:rPr>
+              <a:t>onFinish</a:t>
+            </a:r>
+            <a:r>
+              <a:rPr lang="en-US" dirty="0">
+                <a:latin typeface="Calibri" panose="020F0502020204030204" pitchFamily="34" charset="0"/>
+              </a:rPr>
+              <a:t>() method after a suite has been run</a:t>
+            </a:r>
+            <a:r>
+              <a:rPr lang="en-US" dirty="0" smtClean="0">
+                <a:latin typeface="Calibri" panose="020F0502020204030204" pitchFamily="34" charset="0"/>
+              </a:rPr>
+              <a:t>.</a:t>
+            </a:r>
+            <a:endParaRPr lang="en-US" dirty="0">
+              <a:latin typeface="Calibri" panose="020F0502020204030204" pitchFamily="34" charset="0"/>
+            </a:endParaRPr>
+          </a:p>
+        </p:txBody>
+      </p:sp>
+      <p:pic>
+        <p:nvPicPr>
+          <p:cNvPr id="5" name="Picture 4"/>
+          <p:cNvPicPr>
+            <a:picLocks noChangeAspect="1"/>
+          </p:cNvPicPr>
+          <p:nvPr/>
+        </p:nvPicPr>
+        <p:blipFill rotWithShape="1">
+          <a:blip r:embed="rId2"/>
+          <a:srcRect l="10027" t="22632" r="30745" b="27895"/>
+          <a:stretch/>
+        </p:blipFill>
+        <p:spPr>
+          <a:xfrm>
+            <a:off x="429360" y="5950040"/>
+            <a:ext cx="1592624" cy="470775"/>
+          </a:xfrm>
+          <a:prstGeom prst="rect">
+            <a:avLst/>
+          </a:prstGeom>
+          <a:solidFill>
+            <a:srgbClr val="FFFFFF">
+              <a:shade val="85000"/>
+            </a:srgbClr>
+          </a:solidFill>
+          <a:ln w="101600" cap="sq">
+            <a:solidFill>
+              <a:srgbClr val="FDFDFD"/>
+            </a:solidFill>
+            <a:miter lim="800000"/>
+          </a:ln>
+          <a:effectLst>
+            <a:outerShdw blurRad="57150" dist="37500" dir="7560000" sy="98000" kx="110000" ky="200000" algn="tl" rotWithShape="0">
+              <a:srgbClr val="000000">
+                <a:alpha val="20000"/>
+              </a:srgbClr>
+            </a:outerShdw>
+          </a:effectLst>
+          <a:scene3d>
+            <a:camera prst="perspectiveRelaxed">
+              <a:rot lat="18960000" lon="0" rev="0"/>
+            </a:camera>
+            <a:lightRig rig="twoPt" dir="t">
+              <a:rot lat="0" lon="0" rev="7200000"/>
+            </a:lightRig>
+          </a:scene3d>
+          <a:sp3d prstMaterial="matte">
+            <a:bevelT w="22860" h="12700"/>
+            <a:contourClr>
+              <a:srgbClr val="FFFFFF"/>
+            </a:contourClr>
+          </a:sp3d>
+        </p:spPr>
+      </p:pic>
+    </p:spTree>
+    <p:extLst>
+      <p:ext uri="{BB962C8B-B14F-4D97-AF65-F5344CB8AC3E}">
+        <p14:creationId xmlns:p14="http://schemas.microsoft.com/office/powerpoint/2010/main" val="2883575379"/>
+      </p:ext>
+    </p:extLst>
+  </p:cSld>
+  <p:clrMapOvr>
+    <a:masterClrMapping/>
+  </p:clrMapOvr>
+  <p:timing>
+    <p:tnLst>
+      <p:par>
+        <p:cTn id="1" dur="indefinite" restart="never" nodeType="tmRoot"/>
+      </p:par>
+    </p:tnLst>
+  </p:timing>
+</p:sld>
+</file>
+
+<file path=ppt/slides/slide2.xml><?xml version="1.0" encoding="utf-8"?>
+<p:sld xmlns:a="http://schemas.openxmlformats.org/drawingml/2006/main" xmlns:r="http://schemas.openxmlformats.org/officeDocument/2006/relationships" xmlns:p="http://schemas.openxmlformats.org/presentationml/2006/main">
+  <p:cSld>
+    <p:spTree>
+      <p:nvGrpSpPr>
+        <p:cNvPr id="1" name=""/>
+        <p:cNvGrpSpPr/>
+        <p:nvPr/>
+      </p:nvGrpSpPr>
+      <p:grpSpPr>
+        <a:xfrm>
+          <a:off x="0" y="0"/>
+          <a:ext cx="0" cy="0"/>
+          <a:chOff x="0" y="0"/>
+          <a:chExt cx="0" cy="0"/>
+        </a:xfrm>
+      </p:grpSpPr>
+      <p:sp>
+        <p:nvSpPr>
+          <p:cNvPr id="2" name="Title 1"/>
+          <p:cNvSpPr>
+            <a:spLocks noGrp="1"/>
+          </p:cNvSpPr>
+          <p:nvPr>
+            <p:ph type="ctrTitle"/>
+          </p:nvPr>
+        </p:nvSpPr>
+        <p:spPr>
+          <a:xfrm>
+            <a:off x="429361" y="502156"/>
+            <a:ext cx="8366908" cy="1078992"/>
+          </a:xfrm>
+        </p:spPr>
+        <p:txBody>
+          <a:bodyPr/>
+          <a:lstStyle/>
+          <a:p>
+            <a:r>
+              <a:rPr lang="en-US" sz="2800" dirty="0" smtClean="0">
+                <a:latin typeface="Calibri" panose="020F0502020204030204" pitchFamily="34" charset="0"/>
+              </a:rPr>
+              <a:t>Agenda</a:t>
+            </a:r>
+            <a:endParaRPr lang="en-US" sz="2800" dirty="0">
+              <a:latin typeface="Calibri" panose="020F0502020204030204" pitchFamily="34" charset="0"/>
+            </a:endParaRPr>
+          </a:p>
+        </p:txBody>
+      </p:sp>
+      <p:sp>
+        <p:nvSpPr>
+          <p:cNvPr id="3" name="Subtitle 2"/>
+          <p:cNvSpPr>
+            <a:spLocks noGrp="1"/>
+          </p:cNvSpPr>
+          <p:nvPr>
+            <p:ph type="subTitle" idx="1"/>
+          </p:nvPr>
+        </p:nvSpPr>
+        <p:spPr>
+          <a:xfrm>
+            <a:off x="429360" y="1820572"/>
+            <a:ext cx="8366909" cy="4129468"/>
+          </a:xfrm>
+        </p:spPr>
+        <p:txBody>
+          <a:bodyPr/>
+          <a:lstStyle/>
+          <a:p>
+            <a:pPr marL="342900" indent="-342900">
+              <a:lnSpc>
+                <a:spcPct val="150000"/>
+              </a:lnSpc>
+              <a:buFont typeface="Wingdings" panose="05000000000000000000" pitchFamily="2" charset="2"/>
+              <a:buChar char="Ø"/>
+            </a:pPr>
+            <a:r>
+              <a:rPr lang="en-US" dirty="0">
+                <a:latin typeface="Calibri" panose="020F0502020204030204" pitchFamily="34" charset="0"/>
+              </a:rPr>
+              <a:t>TestNG Overview</a:t>
+            </a:r>
+          </a:p>
+          <a:p>
+            <a:pPr marL="342900" indent="-342900">
+              <a:lnSpc>
+                <a:spcPct val="150000"/>
+              </a:lnSpc>
+              <a:buFont typeface="Wingdings" panose="05000000000000000000" pitchFamily="2" charset="2"/>
+              <a:buChar char="Ø"/>
+            </a:pPr>
+            <a:r>
+              <a:rPr lang="en-US" dirty="0">
+                <a:latin typeface="Calibri" panose="020F0502020204030204" pitchFamily="34" charset="0"/>
+              </a:rPr>
+              <a:t>TestNG Plugins for Eclipse</a:t>
+            </a:r>
+          </a:p>
+          <a:p>
+            <a:pPr marL="342900" indent="-342900">
+              <a:lnSpc>
+                <a:spcPct val="150000"/>
+              </a:lnSpc>
+              <a:buFont typeface="Wingdings" panose="05000000000000000000" pitchFamily="2" charset="2"/>
+              <a:buChar char="Ø"/>
+            </a:pPr>
+            <a:r>
+              <a:rPr lang="en-US" dirty="0">
+                <a:latin typeface="Calibri" panose="020F0502020204030204" pitchFamily="34" charset="0"/>
+              </a:rPr>
+              <a:t>TestNG Maven Dependency</a:t>
+            </a:r>
+          </a:p>
+          <a:p>
+            <a:pPr marL="342900" indent="-342900">
+              <a:lnSpc>
+                <a:spcPct val="150000"/>
+              </a:lnSpc>
+              <a:buFont typeface="Wingdings" panose="05000000000000000000" pitchFamily="2" charset="2"/>
+              <a:buChar char="Ø"/>
+            </a:pPr>
+            <a:r>
+              <a:rPr lang="en-US" dirty="0">
+                <a:latin typeface="Calibri" panose="020F0502020204030204" pitchFamily="34" charset="0"/>
+              </a:rPr>
+              <a:t>TestNG Annotations</a:t>
+            </a:r>
+          </a:p>
+          <a:p>
+            <a:pPr marL="342900" indent="-342900">
+              <a:lnSpc>
+                <a:spcPct val="150000"/>
+              </a:lnSpc>
+              <a:buFont typeface="Wingdings" panose="05000000000000000000" pitchFamily="2" charset="2"/>
+              <a:buChar char="Ø"/>
+            </a:pPr>
+            <a:r>
+              <a:rPr lang="en-US" dirty="0">
+                <a:latin typeface="Calibri" panose="020F0502020204030204" pitchFamily="34" charset="0"/>
+              </a:rPr>
+              <a:t>TestNG XML</a:t>
+            </a:r>
+          </a:p>
+          <a:p>
+            <a:pPr marL="342900" indent="-342900">
+              <a:lnSpc>
+                <a:spcPct val="150000"/>
+              </a:lnSpc>
+              <a:buFont typeface="Wingdings" panose="05000000000000000000" pitchFamily="2" charset="2"/>
+              <a:buChar char="Ø"/>
+            </a:pPr>
+            <a:r>
+              <a:rPr lang="en-US" dirty="0">
+                <a:latin typeface="Calibri" panose="020F0502020204030204" pitchFamily="34" charset="0"/>
+              </a:rPr>
+              <a:t>TestNG with Selenium</a:t>
+            </a:r>
+          </a:p>
+          <a:p>
+            <a:pPr marL="342900" indent="-342900">
+              <a:lnSpc>
+                <a:spcPct val="150000"/>
+              </a:lnSpc>
+              <a:buFont typeface="Wingdings" panose="05000000000000000000" pitchFamily="2" charset="2"/>
+              <a:buChar char="Ø"/>
+            </a:pPr>
+            <a:r>
+              <a:rPr lang="en-US" dirty="0">
+                <a:latin typeface="Calibri" panose="020F0502020204030204" pitchFamily="34" charset="0"/>
+              </a:rPr>
+              <a:t>TestNG Parameters and Data Provider</a:t>
+            </a:r>
+          </a:p>
+          <a:p>
+            <a:pPr marL="342900" indent="-342900">
+              <a:lnSpc>
+                <a:spcPct val="150000"/>
+              </a:lnSpc>
+              <a:buFont typeface="Wingdings" panose="05000000000000000000" pitchFamily="2" charset="2"/>
+              <a:buChar char="Ø"/>
+            </a:pPr>
+            <a:r>
+              <a:rPr lang="en-US" dirty="0">
+                <a:latin typeface="Calibri" panose="020F0502020204030204" pitchFamily="34" charset="0"/>
+              </a:rPr>
+              <a:t>TestNG Parallel Execution and Cross Browser Testing</a:t>
+            </a:r>
+          </a:p>
+        </p:txBody>
+      </p:sp>
+      <p:pic>
+        <p:nvPicPr>
+          <p:cNvPr id="5" name="Picture 4"/>
+          <p:cNvPicPr>
+            <a:picLocks noChangeAspect="1"/>
+          </p:cNvPicPr>
+          <p:nvPr/>
+        </p:nvPicPr>
+        <p:blipFill>
+          <a:blip r:embed="rId2">
+            <a:duotone>
+              <a:schemeClr val="accent2">
+                <a:shade val="45000"/>
+                <a:satMod val="135000"/>
+              </a:schemeClr>
+              <a:prstClr val="white"/>
+            </a:duotone>
+          </a:blip>
+          <a:stretch>
+            <a:fillRect/>
+          </a:stretch>
+        </p:blipFill>
+        <p:spPr>
+          <a:xfrm>
+            <a:off x="5177392" y="1157299"/>
+            <a:ext cx="2540000" cy="3225800"/>
+          </a:xfrm>
+          <a:prstGeom prst="rect">
+            <a:avLst/>
+          </a:prstGeom>
+        </p:spPr>
+      </p:pic>
+    </p:spTree>
+    <p:extLst>
+      <p:ext uri="{BB962C8B-B14F-4D97-AF65-F5344CB8AC3E}">
+        <p14:creationId xmlns:p14="http://schemas.microsoft.com/office/powerpoint/2010/main" val="646076536"/>
+      </p:ext>
+    </p:extLst>
+  </p:cSld>
+  <p:clrMapOvr>
+    <a:masterClrMapping/>
+  </p:clrMapOvr>
+  <p:timing>
+    <p:tnLst>
+      <p:par>
+        <p:cTn id="1" dur="indefinite" restart="never" nodeType="tmRoot"/>
+      </p:par>
+    </p:tnLst>
+  </p:timing>
+</p:sld>
+</file>
+
+<file path=ppt/slides/slide20.xml><?xml version="1.0" encoding="utf-8"?>
+<p:sld xmlns:a="http://schemas.openxmlformats.org/drawingml/2006/main" xmlns:r="http://schemas.openxmlformats.org/officeDocument/2006/relationships" xmlns:p="http://schemas.openxmlformats.org/presentationml/2006/main">
+  <p:cSld>
+    <p:spTree>
+      <p:nvGrpSpPr>
+        <p:cNvPr id="1" name=""/>
+        <p:cNvGrpSpPr/>
+        <p:nvPr/>
+      </p:nvGrpSpPr>
+      <p:grpSpPr>
+        <a:xfrm>
+          <a:off x="0" y="0"/>
+          <a:ext cx="0" cy="0"/>
+          <a:chOff x="0" y="0"/>
+          <a:chExt cx="0" cy="0"/>
+        </a:xfrm>
+      </p:grpSpPr>
+      <p:sp>
+        <p:nvSpPr>
+          <p:cNvPr id="2" name="Title 1"/>
+          <p:cNvSpPr>
+            <a:spLocks noGrp="1"/>
+          </p:cNvSpPr>
+          <p:nvPr>
+            <p:ph type="ctrTitle"/>
+          </p:nvPr>
+        </p:nvSpPr>
+        <p:spPr>
+          <a:xfrm>
+            <a:off x="429361" y="502156"/>
+            <a:ext cx="8366908" cy="1078992"/>
+          </a:xfrm>
+        </p:spPr>
+        <p:txBody>
+          <a:bodyPr/>
+          <a:lstStyle/>
+          <a:p>
+            <a:pPr>
+              <a:lnSpc>
+                <a:spcPct val="150000"/>
+              </a:lnSpc>
+            </a:pPr>
+            <a:r>
+              <a:rPr lang="en-US" sz="2800" dirty="0">
+                <a:latin typeface="Calibri" panose="020F0502020204030204" pitchFamily="34" charset="0"/>
+              </a:rPr>
+              <a:t>TestNG </a:t>
+            </a:r>
+            <a:r>
+              <a:rPr lang="en-US" sz="2800" dirty="0">
+                <a:latin typeface="Calibri" panose="020F0502020204030204" pitchFamily="34" charset="0"/>
+              </a:rPr>
+              <a:t>Listeners					… continued</a:t>
+            </a:r>
+            <a:endParaRPr lang="en-US" sz="2800" dirty="0">
+              <a:latin typeface="Calibri" panose="020F0502020204030204" pitchFamily="34" charset="0"/>
+            </a:endParaRPr>
+          </a:p>
+        </p:txBody>
+      </p:sp>
+      <p:sp>
+        <p:nvSpPr>
+          <p:cNvPr id="3" name="Subtitle 2"/>
+          <p:cNvSpPr>
+            <a:spLocks noGrp="1"/>
+          </p:cNvSpPr>
+          <p:nvPr>
+            <p:ph type="subTitle" idx="1"/>
+          </p:nvPr>
+        </p:nvSpPr>
+        <p:spPr>
+          <a:xfrm>
+            <a:off x="429360" y="1820572"/>
+            <a:ext cx="8366909" cy="4129468"/>
+          </a:xfrm>
+        </p:spPr>
+        <p:txBody>
+          <a:bodyPr/>
+          <a:lstStyle/>
+          <a:p>
+            <a:pPr marL="342900" indent="-342900">
+              <a:lnSpc>
+                <a:spcPct val="150000"/>
+              </a:lnSpc>
+              <a:buFont typeface="Wingdings" panose="05000000000000000000" pitchFamily="2" charset="2"/>
+              <a:buChar char="Ø"/>
+            </a:pPr>
+            <a:r>
+              <a:rPr lang="en-US" b="1" dirty="0" err="1" smtClean="0">
+                <a:latin typeface="Calibri" panose="020F0502020204030204" pitchFamily="34" charset="0"/>
+              </a:rPr>
+              <a:t>ITestListener</a:t>
+            </a:r>
+            <a:r>
+              <a:rPr lang="en-US" dirty="0">
+                <a:latin typeface="Calibri" panose="020F0502020204030204" pitchFamily="34" charset="0"/>
+              </a:rPr>
+              <a:t>: The working of this listener is also exactly the same as </a:t>
+            </a:r>
+            <a:r>
+              <a:rPr lang="en-US" dirty="0" err="1">
+                <a:latin typeface="Calibri" panose="020F0502020204030204" pitchFamily="34" charset="0"/>
+              </a:rPr>
+              <a:t>ISuiteListerner</a:t>
+            </a:r>
+            <a:r>
+              <a:rPr lang="en-US" dirty="0">
+                <a:latin typeface="Calibri" panose="020F0502020204030204" pitchFamily="34" charset="0"/>
+              </a:rPr>
+              <a:t> but the only difference is that it makes the call before and after the Test not the Suite. It has seven methods in it</a:t>
+            </a:r>
+            <a:r>
+              <a:rPr lang="en-US" dirty="0" smtClean="0">
+                <a:latin typeface="Calibri" panose="020F0502020204030204" pitchFamily="34" charset="0"/>
+              </a:rPr>
+              <a:t>.</a:t>
+            </a:r>
+            <a:endParaRPr lang="en-US" dirty="0">
+              <a:latin typeface="Calibri" panose="020F0502020204030204" pitchFamily="34" charset="0"/>
+            </a:endParaRPr>
+          </a:p>
+          <a:p>
+            <a:pPr marL="342900" indent="-342900">
+              <a:lnSpc>
+                <a:spcPct val="150000"/>
+              </a:lnSpc>
+              <a:buFont typeface="Wingdings" panose="05000000000000000000" pitchFamily="2" charset="2"/>
+              <a:buChar char="Ø"/>
+            </a:pPr>
+            <a:r>
+              <a:rPr lang="en-US" b="1" dirty="0" err="1">
+                <a:latin typeface="Calibri" panose="020F0502020204030204" pitchFamily="34" charset="0"/>
+              </a:rPr>
+              <a:t>onFinish</a:t>
+            </a:r>
+            <a:r>
+              <a:rPr lang="en-US" b="1" dirty="0">
+                <a:latin typeface="Calibri" panose="020F0502020204030204" pitchFamily="34" charset="0"/>
+              </a:rPr>
+              <a:t>()</a:t>
+            </a:r>
+            <a:r>
+              <a:rPr lang="en-US" dirty="0">
+                <a:latin typeface="Calibri" panose="020F0502020204030204" pitchFamily="34" charset="0"/>
+              </a:rPr>
+              <a:t>: Invoked after all the tests have run and all their Configuration methods have been called</a:t>
+            </a:r>
+            <a:r>
+              <a:rPr lang="en-US" dirty="0" smtClean="0">
+                <a:latin typeface="Calibri" panose="020F0502020204030204" pitchFamily="34" charset="0"/>
+              </a:rPr>
+              <a:t>.</a:t>
+            </a:r>
+            <a:endParaRPr lang="en-US" dirty="0">
+              <a:latin typeface="Calibri" panose="020F0502020204030204" pitchFamily="34" charset="0"/>
+            </a:endParaRPr>
+          </a:p>
+          <a:p>
+            <a:pPr marL="342900" indent="-342900">
+              <a:lnSpc>
+                <a:spcPct val="150000"/>
+              </a:lnSpc>
+              <a:buFont typeface="Wingdings" panose="05000000000000000000" pitchFamily="2" charset="2"/>
+              <a:buChar char="Ø"/>
+            </a:pPr>
+            <a:r>
+              <a:rPr lang="en-US" b="1" dirty="0" err="1">
+                <a:latin typeface="Calibri" panose="020F0502020204030204" pitchFamily="34" charset="0"/>
+              </a:rPr>
+              <a:t>onStart</a:t>
+            </a:r>
+            <a:r>
+              <a:rPr lang="en-US" b="1" dirty="0">
+                <a:latin typeface="Calibri" panose="020F0502020204030204" pitchFamily="34" charset="0"/>
+              </a:rPr>
+              <a:t>()</a:t>
+            </a:r>
+            <a:r>
+              <a:rPr lang="en-US" dirty="0">
+                <a:latin typeface="Calibri" panose="020F0502020204030204" pitchFamily="34" charset="0"/>
+              </a:rPr>
+              <a:t>: Invoked after the test class is instantiated and before any configuration method is called</a:t>
+            </a:r>
+            <a:r>
+              <a:rPr lang="en-US" dirty="0" smtClean="0">
+                <a:latin typeface="Calibri" panose="020F0502020204030204" pitchFamily="34" charset="0"/>
+              </a:rPr>
+              <a:t>.</a:t>
+            </a:r>
+            <a:endParaRPr lang="en-US" dirty="0">
+              <a:latin typeface="Calibri" panose="020F0502020204030204" pitchFamily="34" charset="0"/>
+            </a:endParaRPr>
+          </a:p>
+        </p:txBody>
+      </p:sp>
+      <p:pic>
+        <p:nvPicPr>
+          <p:cNvPr id="5" name="Picture 4"/>
+          <p:cNvPicPr>
+            <a:picLocks noChangeAspect="1"/>
+          </p:cNvPicPr>
+          <p:nvPr/>
+        </p:nvPicPr>
+        <p:blipFill rotWithShape="1">
+          <a:blip r:embed="rId2"/>
+          <a:srcRect l="10027" t="22632" r="30745" b="27895"/>
+          <a:stretch/>
+        </p:blipFill>
+        <p:spPr>
+          <a:xfrm>
+            <a:off x="429360" y="5950040"/>
+            <a:ext cx="1592624" cy="470775"/>
+          </a:xfrm>
+          <a:prstGeom prst="rect">
+            <a:avLst/>
+          </a:prstGeom>
+          <a:solidFill>
+            <a:srgbClr val="FFFFFF">
+              <a:shade val="85000"/>
+            </a:srgbClr>
+          </a:solidFill>
+          <a:ln w="101600" cap="sq">
+            <a:solidFill>
+              <a:srgbClr val="FDFDFD"/>
+            </a:solidFill>
+            <a:miter lim="800000"/>
+          </a:ln>
+          <a:effectLst>
+            <a:outerShdw blurRad="57150" dist="37500" dir="7560000" sy="98000" kx="110000" ky="200000" algn="tl" rotWithShape="0">
+              <a:srgbClr val="000000">
+                <a:alpha val="20000"/>
+              </a:srgbClr>
+            </a:outerShdw>
+          </a:effectLst>
+          <a:scene3d>
+            <a:camera prst="perspectiveRelaxed">
+              <a:rot lat="18960000" lon="0" rev="0"/>
+            </a:camera>
+            <a:lightRig rig="twoPt" dir="t">
+              <a:rot lat="0" lon="0" rev="7200000"/>
+            </a:lightRig>
+          </a:scene3d>
+          <a:sp3d prstMaterial="matte">
+            <a:bevelT w="22860" h="12700"/>
+            <a:contourClr>
+              <a:srgbClr val="FFFFFF"/>
+            </a:contourClr>
+          </a:sp3d>
+        </p:spPr>
+      </p:pic>
+    </p:spTree>
+    <p:extLst>
+      <p:ext uri="{BB962C8B-B14F-4D97-AF65-F5344CB8AC3E}">
+        <p14:creationId xmlns:p14="http://schemas.microsoft.com/office/powerpoint/2010/main" val="2848961237"/>
+      </p:ext>
+    </p:extLst>
+  </p:cSld>
+  <p:clrMapOvr>
+    <a:masterClrMapping/>
+  </p:clrMapOvr>
+  <p:timing>
+    <p:tnLst>
+      <p:par>
+        <p:cTn id="1" dur="indefinite" restart="never" nodeType="tmRoot"/>
+      </p:par>
+    </p:tnLst>
+  </p:timing>
+</p:sld>
+</file>
+
+<file path=ppt/slides/slide21.xml><?xml version="1.0" encoding="utf-8"?>
+<p:sld xmlns:a="http://schemas.openxmlformats.org/drawingml/2006/main" xmlns:r="http://schemas.openxmlformats.org/officeDocument/2006/relationships" xmlns:p="http://schemas.openxmlformats.org/presentationml/2006/main">
+  <p:cSld>
+    <p:spTree>
+      <p:nvGrpSpPr>
+        <p:cNvPr id="1" name=""/>
+        <p:cNvGrpSpPr/>
+        <p:nvPr/>
+      </p:nvGrpSpPr>
+      <p:grpSpPr>
+        <a:xfrm>
+          <a:off x="0" y="0"/>
+          <a:ext cx="0" cy="0"/>
+          <a:chOff x="0" y="0"/>
+          <a:chExt cx="0" cy="0"/>
+        </a:xfrm>
+      </p:grpSpPr>
+      <p:sp>
+        <p:nvSpPr>
+          <p:cNvPr id="2" name="Title 1"/>
+          <p:cNvSpPr>
+            <a:spLocks noGrp="1"/>
+          </p:cNvSpPr>
+          <p:nvPr>
+            <p:ph type="ctrTitle"/>
+          </p:nvPr>
+        </p:nvSpPr>
+        <p:spPr>
+          <a:xfrm>
+            <a:off x="429361" y="502156"/>
+            <a:ext cx="8366908" cy="1078992"/>
+          </a:xfrm>
+        </p:spPr>
+        <p:txBody>
+          <a:bodyPr/>
+          <a:lstStyle/>
+          <a:p>
+            <a:pPr>
+              <a:lnSpc>
+                <a:spcPct val="150000"/>
+              </a:lnSpc>
+            </a:pPr>
+            <a:r>
+              <a:rPr lang="en-US" sz="2800" dirty="0">
+                <a:latin typeface="Calibri" panose="020F0502020204030204" pitchFamily="34" charset="0"/>
+              </a:rPr>
+              <a:t>TestNG </a:t>
+            </a:r>
+            <a:r>
+              <a:rPr lang="en-US" sz="2800" dirty="0">
+                <a:latin typeface="Calibri" panose="020F0502020204030204" pitchFamily="34" charset="0"/>
+              </a:rPr>
+              <a:t>Listeners					… continued</a:t>
+            </a:r>
+            <a:endParaRPr lang="en-US" sz="2800" dirty="0">
+              <a:latin typeface="Calibri" panose="020F0502020204030204" pitchFamily="34" charset="0"/>
+            </a:endParaRPr>
+          </a:p>
+        </p:txBody>
+      </p:sp>
+      <p:sp>
+        <p:nvSpPr>
+          <p:cNvPr id="3" name="Subtitle 2"/>
+          <p:cNvSpPr>
+            <a:spLocks noGrp="1"/>
+          </p:cNvSpPr>
+          <p:nvPr>
+            <p:ph type="subTitle" idx="1"/>
+          </p:nvPr>
+        </p:nvSpPr>
+        <p:spPr>
+          <a:xfrm>
+            <a:off x="429360" y="1820572"/>
+            <a:ext cx="8366909" cy="4129468"/>
+          </a:xfrm>
+        </p:spPr>
+        <p:txBody>
+          <a:bodyPr/>
+          <a:lstStyle/>
+          <a:p>
+            <a:pPr marL="342900" indent="-342900">
+              <a:lnSpc>
+                <a:spcPct val="150000"/>
+              </a:lnSpc>
+              <a:buFont typeface="Wingdings" panose="05000000000000000000" pitchFamily="2" charset="2"/>
+              <a:buChar char="Ø"/>
+            </a:pPr>
+            <a:r>
+              <a:rPr lang="en-US" b="1" dirty="0" err="1" smtClean="0">
+                <a:latin typeface="Calibri" panose="020F0502020204030204" pitchFamily="34" charset="0"/>
+              </a:rPr>
+              <a:t>onTestFailedButWithinSuccessPercentage</a:t>
+            </a:r>
+            <a:r>
+              <a:rPr lang="en-US" dirty="0" smtClean="0">
+                <a:latin typeface="Calibri" panose="020F0502020204030204" pitchFamily="34" charset="0"/>
+              </a:rPr>
+              <a:t>(</a:t>
+            </a:r>
+            <a:r>
+              <a:rPr lang="en-US" dirty="0" err="1" smtClean="0">
+                <a:latin typeface="Calibri" panose="020F0502020204030204" pitchFamily="34" charset="0"/>
+              </a:rPr>
+              <a:t>ITestResult</a:t>
+            </a:r>
+            <a:r>
+              <a:rPr lang="en-US" dirty="0" smtClean="0">
+                <a:latin typeface="Calibri" panose="020F0502020204030204" pitchFamily="34" charset="0"/>
+              </a:rPr>
+              <a:t> </a:t>
+            </a:r>
+            <a:r>
+              <a:rPr lang="en-US" dirty="0">
+                <a:latin typeface="Calibri" panose="020F0502020204030204" pitchFamily="34" charset="0"/>
+              </a:rPr>
+              <a:t>result): Invoked each time a method fails but has been annotated with </a:t>
+            </a:r>
+            <a:r>
+              <a:rPr lang="en-US" dirty="0" err="1">
+                <a:latin typeface="Calibri" panose="020F0502020204030204" pitchFamily="34" charset="0"/>
+              </a:rPr>
+              <a:t>successPercentage</a:t>
+            </a:r>
+            <a:r>
+              <a:rPr lang="en-US" dirty="0">
+                <a:latin typeface="Calibri" panose="020F0502020204030204" pitchFamily="34" charset="0"/>
+              </a:rPr>
+              <a:t> and this failure still keeps it within the success percentage requested</a:t>
+            </a:r>
+            <a:r>
+              <a:rPr lang="en-US" dirty="0" smtClean="0">
+                <a:latin typeface="Calibri" panose="020F0502020204030204" pitchFamily="34" charset="0"/>
+              </a:rPr>
+              <a:t>.</a:t>
+            </a:r>
+            <a:endParaRPr lang="en-US" dirty="0">
+              <a:latin typeface="Calibri" panose="020F0502020204030204" pitchFamily="34" charset="0"/>
+            </a:endParaRPr>
+          </a:p>
+          <a:p>
+            <a:pPr marL="342900" indent="-342900">
+              <a:lnSpc>
+                <a:spcPct val="150000"/>
+              </a:lnSpc>
+              <a:buFont typeface="Wingdings" panose="05000000000000000000" pitchFamily="2" charset="2"/>
+              <a:buChar char="Ø"/>
+            </a:pPr>
+            <a:r>
+              <a:rPr lang="en-US" b="1" dirty="0" err="1">
+                <a:latin typeface="Calibri" panose="020F0502020204030204" pitchFamily="34" charset="0"/>
+              </a:rPr>
+              <a:t>onTestFailure</a:t>
+            </a:r>
+            <a:r>
+              <a:rPr lang="en-US" dirty="0">
+                <a:latin typeface="Calibri" panose="020F0502020204030204" pitchFamily="34" charset="0"/>
+              </a:rPr>
+              <a:t>(</a:t>
+            </a:r>
+            <a:r>
+              <a:rPr lang="en-US" dirty="0" err="1">
+                <a:latin typeface="Calibri" panose="020F0502020204030204" pitchFamily="34" charset="0"/>
+              </a:rPr>
+              <a:t>ITestResult</a:t>
+            </a:r>
+            <a:r>
+              <a:rPr lang="en-US" dirty="0">
+                <a:latin typeface="Calibri" panose="020F0502020204030204" pitchFamily="34" charset="0"/>
+              </a:rPr>
+              <a:t> result): Invoked each time a test fails</a:t>
+            </a:r>
+            <a:r>
+              <a:rPr lang="en-US" dirty="0" smtClean="0">
+                <a:latin typeface="Calibri" panose="020F0502020204030204" pitchFamily="34" charset="0"/>
+              </a:rPr>
+              <a:t>.</a:t>
+            </a:r>
+            <a:endParaRPr lang="en-US" dirty="0">
+              <a:latin typeface="Calibri" panose="020F0502020204030204" pitchFamily="34" charset="0"/>
+            </a:endParaRPr>
+          </a:p>
+          <a:p>
+            <a:pPr marL="342900" indent="-342900">
+              <a:lnSpc>
+                <a:spcPct val="150000"/>
+              </a:lnSpc>
+              <a:buFont typeface="Wingdings" panose="05000000000000000000" pitchFamily="2" charset="2"/>
+              <a:buChar char="Ø"/>
+            </a:pPr>
+            <a:r>
+              <a:rPr lang="en-US" b="1" dirty="0" err="1">
+                <a:latin typeface="Calibri" panose="020F0502020204030204" pitchFamily="34" charset="0"/>
+              </a:rPr>
+              <a:t>onTestSkipped</a:t>
+            </a:r>
+            <a:r>
+              <a:rPr lang="en-US" dirty="0">
+                <a:latin typeface="Calibri" panose="020F0502020204030204" pitchFamily="34" charset="0"/>
+              </a:rPr>
+              <a:t>(</a:t>
+            </a:r>
+            <a:r>
+              <a:rPr lang="en-US" dirty="0" err="1">
+                <a:latin typeface="Calibri" panose="020F0502020204030204" pitchFamily="34" charset="0"/>
+              </a:rPr>
+              <a:t>ITestResult</a:t>
+            </a:r>
+            <a:r>
+              <a:rPr lang="en-US" dirty="0">
+                <a:latin typeface="Calibri" panose="020F0502020204030204" pitchFamily="34" charset="0"/>
+              </a:rPr>
+              <a:t> result): Invoked each time a test is </a:t>
+            </a:r>
+            <a:r>
+              <a:rPr lang="en-US" dirty="0" smtClean="0">
+                <a:latin typeface="Calibri" panose="020F0502020204030204" pitchFamily="34" charset="0"/>
+              </a:rPr>
+              <a:t>skipped</a:t>
+            </a:r>
+            <a:endParaRPr lang="en-US" dirty="0">
+              <a:latin typeface="Calibri" panose="020F0502020204030204" pitchFamily="34" charset="0"/>
+            </a:endParaRPr>
+          </a:p>
+          <a:p>
+            <a:pPr marL="342900" indent="-342900">
+              <a:lnSpc>
+                <a:spcPct val="150000"/>
+              </a:lnSpc>
+              <a:buFont typeface="Wingdings" panose="05000000000000000000" pitchFamily="2" charset="2"/>
+              <a:buChar char="Ø"/>
+            </a:pPr>
+            <a:r>
+              <a:rPr lang="en-US" b="1" dirty="0" err="1">
+                <a:latin typeface="Calibri" panose="020F0502020204030204" pitchFamily="34" charset="0"/>
+              </a:rPr>
+              <a:t>onTestStart</a:t>
+            </a:r>
+            <a:r>
+              <a:rPr lang="en-US" dirty="0">
+                <a:latin typeface="Calibri" panose="020F0502020204030204" pitchFamily="34" charset="0"/>
+              </a:rPr>
+              <a:t>(</a:t>
+            </a:r>
+            <a:r>
+              <a:rPr lang="en-US" dirty="0" err="1">
+                <a:latin typeface="Calibri" panose="020F0502020204030204" pitchFamily="34" charset="0"/>
+              </a:rPr>
+              <a:t>ITestResult</a:t>
+            </a:r>
+            <a:r>
+              <a:rPr lang="en-US" dirty="0">
+                <a:latin typeface="Calibri" panose="020F0502020204030204" pitchFamily="34" charset="0"/>
+              </a:rPr>
+              <a:t> result): Invoked each time before a test will be invoked</a:t>
+            </a:r>
+            <a:r>
+              <a:rPr lang="en-US" dirty="0" smtClean="0">
+                <a:latin typeface="Calibri" panose="020F0502020204030204" pitchFamily="34" charset="0"/>
+              </a:rPr>
+              <a:t>.</a:t>
+            </a:r>
+            <a:endParaRPr lang="en-US" dirty="0">
+              <a:latin typeface="Calibri" panose="020F0502020204030204" pitchFamily="34" charset="0"/>
+            </a:endParaRPr>
+          </a:p>
+        </p:txBody>
+      </p:sp>
+      <p:pic>
+        <p:nvPicPr>
+          <p:cNvPr id="5" name="Picture 4"/>
+          <p:cNvPicPr>
+            <a:picLocks noChangeAspect="1"/>
+          </p:cNvPicPr>
+          <p:nvPr/>
+        </p:nvPicPr>
+        <p:blipFill rotWithShape="1">
+          <a:blip r:embed="rId2"/>
+          <a:srcRect l="10027" t="22632" r="30745" b="27895"/>
+          <a:stretch/>
+        </p:blipFill>
+        <p:spPr>
+          <a:xfrm>
+            <a:off x="429360" y="5950040"/>
+            <a:ext cx="1592624" cy="470775"/>
+          </a:xfrm>
+          <a:prstGeom prst="rect">
+            <a:avLst/>
+          </a:prstGeom>
+          <a:solidFill>
+            <a:srgbClr val="FFFFFF">
+              <a:shade val="85000"/>
+            </a:srgbClr>
+          </a:solidFill>
+          <a:ln w="101600" cap="sq">
+            <a:solidFill>
+              <a:srgbClr val="FDFDFD"/>
+            </a:solidFill>
+            <a:miter lim="800000"/>
+          </a:ln>
+          <a:effectLst>
+            <a:outerShdw blurRad="57150" dist="37500" dir="7560000" sy="98000" kx="110000" ky="200000" algn="tl" rotWithShape="0">
+              <a:srgbClr val="000000">
+                <a:alpha val="20000"/>
+              </a:srgbClr>
+            </a:outerShdw>
+          </a:effectLst>
+          <a:scene3d>
+            <a:camera prst="perspectiveRelaxed">
+              <a:rot lat="18960000" lon="0" rev="0"/>
+            </a:camera>
+            <a:lightRig rig="twoPt" dir="t">
+              <a:rot lat="0" lon="0" rev="7200000"/>
+            </a:lightRig>
+          </a:scene3d>
+          <a:sp3d prstMaterial="matte">
+            <a:bevelT w="22860" h="12700"/>
+            <a:contourClr>
+              <a:srgbClr val="FFFFFF"/>
+            </a:contourClr>
+          </a:sp3d>
+        </p:spPr>
+      </p:pic>
+    </p:spTree>
+    <p:extLst>
+      <p:ext uri="{BB962C8B-B14F-4D97-AF65-F5344CB8AC3E}">
+        <p14:creationId xmlns:p14="http://schemas.microsoft.com/office/powerpoint/2010/main" val="4240097900"/>
+      </p:ext>
+    </p:extLst>
+  </p:cSld>
+  <p:clrMapOvr>
+    <a:masterClrMapping/>
+  </p:clrMapOvr>
+  <p:timing>
+    <p:tnLst>
+      <p:par>
+        <p:cTn id="1" dur="indefinite" restart="never" nodeType="tmRoot"/>
+      </p:par>
+    </p:tnLst>
+  </p:timing>
+</p:sld>
+</file>
+
+<file path=ppt/slides/slide22.xml><?xml version="1.0" encoding="utf-8"?>
+<p:sld xmlns:a="http://schemas.openxmlformats.org/drawingml/2006/main" xmlns:r="http://schemas.openxmlformats.org/officeDocument/2006/relationships" xmlns:p="http://schemas.openxmlformats.org/presentationml/2006/main">
+  <p:cSld>
+    <p:spTree>
+      <p:nvGrpSpPr>
+        <p:cNvPr id="1" name=""/>
+        <p:cNvGrpSpPr/>
+        <p:nvPr/>
+      </p:nvGrpSpPr>
+      <p:grpSpPr>
+        <a:xfrm>
+          <a:off x="0" y="0"/>
+          <a:ext cx="0" cy="0"/>
+          <a:chOff x="0" y="0"/>
+          <a:chExt cx="0" cy="0"/>
+        </a:xfrm>
+      </p:grpSpPr>
+      <p:sp>
+        <p:nvSpPr>
+          <p:cNvPr id="2" name="Title 1"/>
+          <p:cNvSpPr>
+            <a:spLocks noGrp="1"/>
+          </p:cNvSpPr>
+          <p:nvPr>
+            <p:ph type="ctrTitle"/>
+          </p:nvPr>
+        </p:nvSpPr>
+        <p:spPr>
+          <a:xfrm>
+            <a:off x="429361" y="502156"/>
+            <a:ext cx="8366908" cy="1078992"/>
+          </a:xfrm>
+        </p:spPr>
+        <p:txBody>
+          <a:bodyPr/>
+          <a:lstStyle/>
+          <a:p>
+            <a:pPr>
+              <a:lnSpc>
+                <a:spcPct val="150000"/>
+              </a:lnSpc>
+            </a:pPr>
+            <a:r>
+              <a:rPr lang="en-US" sz="2800" dirty="0">
+                <a:latin typeface="Calibri" panose="020F0502020204030204" pitchFamily="34" charset="0"/>
+              </a:rPr>
+              <a:t>TestNG </a:t>
+            </a:r>
+            <a:r>
+              <a:rPr lang="en-US" sz="2800" dirty="0">
+                <a:latin typeface="Calibri" panose="020F0502020204030204" pitchFamily="34" charset="0"/>
+              </a:rPr>
+              <a:t>Listeners					… continued</a:t>
+            </a:r>
+            <a:endParaRPr lang="en-US" sz="2800" dirty="0">
+              <a:latin typeface="Calibri" panose="020F0502020204030204" pitchFamily="34" charset="0"/>
+            </a:endParaRPr>
+          </a:p>
+        </p:txBody>
+      </p:sp>
+      <p:sp>
+        <p:nvSpPr>
+          <p:cNvPr id="3" name="Subtitle 2"/>
+          <p:cNvSpPr>
+            <a:spLocks noGrp="1"/>
+          </p:cNvSpPr>
+          <p:nvPr>
+            <p:ph type="subTitle" idx="1"/>
+          </p:nvPr>
+        </p:nvSpPr>
+        <p:spPr>
+          <a:xfrm>
+            <a:off x="429360" y="1820572"/>
+            <a:ext cx="8366909" cy="4129468"/>
+          </a:xfrm>
+        </p:spPr>
+        <p:txBody>
+          <a:bodyPr/>
+          <a:lstStyle/>
+          <a:p>
+            <a:pPr marL="342900" indent="-342900">
+              <a:lnSpc>
+                <a:spcPct val="150000"/>
+              </a:lnSpc>
+              <a:buFont typeface="Wingdings" panose="05000000000000000000" pitchFamily="2" charset="2"/>
+              <a:buChar char="Ø"/>
+            </a:pPr>
+            <a:r>
+              <a:rPr lang="en-US" b="1" dirty="0" err="1" smtClean="0">
+                <a:latin typeface="Calibri" panose="020F0502020204030204" pitchFamily="34" charset="0"/>
+              </a:rPr>
+              <a:t>onTestSuccess</a:t>
+            </a:r>
+            <a:r>
+              <a:rPr lang="en-US" dirty="0" smtClean="0">
+                <a:latin typeface="Calibri" panose="020F0502020204030204" pitchFamily="34" charset="0"/>
+              </a:rPr>
+              <a:t>(</a:t>
+            </a:r>
+            <a:r>
+              <a:rPr lang="en-US" dirty="0" err="1" smtClean="0">
+                <a:latin typeface="Calibri" panose="020F0502020204030204" pitchFamily="34" charset="0"/>
+              </a:rPr>
+              <a:t>ITestResult</a:t>
+            </a:r>
+            <a:r>
+              <a:rPr lang="en-US" dirty="0" smtClean="0">
+                <a:latin typeface="Calibri" panose="020F0502020204030204" pitchFamily="34" charset="0"/>
+              </a:rPr>
+              <a:t> </a:t>
+            </a:r>
+            <a:r>
+              <a:rPr lang="en-US" dirty="0">
+                <a:latin typeface="Calibri" panose="020F0502020204030204" pitchFamily="34" charset="0"/>
+              </a:rPr>
+              <a:t>result): Invoked each time a test succeeds</a:t>
+            </a:r>
+            <a:r>
+              <a:rPr lang="en-US" dirty="0" smtClean="0">
+                <a:latin typeface="Calibri" panose="020F0502020204030204" pitchFamily="34" charset="0"/>
+              </a:rPr>
+              <a:t>.</a:t>
+            </a:r>
+            <a:endParaRPr lang="en-US" dirty="0">
+              <a:latin typeface="Calibri" panose="020F0502020204030204" pitchFamily="34" charset="0"/>
+            </a:endParaRPr>
+          </a:p>
+          <a:p>
+            <a:pPr marL="342900" indent="-342900">
+              <a:lnSpc>
+                <a:spcPct val="150000"/>
+              </a:lnSpc>
+              <a:buFont typeface="Wingdings" panose="05000000000000000000" pitchFamily="2" charset="2"/>
+              <a:buChar char="Ø"/>
+            </a:pPr>
+            <a:r>
+              <a:rPr lang="en-US" b="1" dirty="0" err="1">
+                <a:latin typeface="Calibri" panose="020F0502020204030204" pitchFamily="34" charset="0"/>
+              </a:rPr>
+              <a:t>IInvokedMethodListener</a:t>
+            </a:r>
+            <a:r>
+              <a:rPr lang="en-US" dirty="0">
+                <a:latin typeface="Calibri" panose="020F0502020204030204" pitchFamily="34" charset="0"/>
+              </a:rPr>
+              <a:t>: The working of this listener is also exactly the same as </a:t>
+            </a:r>
+            <a:r>
+              <a:rPr lang="en-US" dirty="0" err="1">
+                <a:latin typeface="Calibri" panose="020F0502020204030204" pitchFamily="34" charset="0"/>
+              </a:rPr>
+              <a:t>ISuiteListerner</a:t>
+            </a:r>
+            <a:r>
+              <a:rPr lang="en-US" dirty="0">
+                <a:latin typeface="Calibri" panose="020F0502020204030204" pitchFamily="34" charset="0"/>
+              </a:rPr>
+              <a:t> &amp; </a:t>
+            </a:r>
+            <a:r>
+              <a:rPr lang="en-US" dirty="0" err="1">
+                <a:latin typeface="Calibri" panose="020F0502020204030204" pitchFamily="34" charset="0"/>
+              </a:rPr>
+              <a:t>ITestListerner</a:t>
+            </a:r>
+            <a:r>
+              <a:rPr lang="en-US" dirty="0">
+                <a:latin typeface="Calibri" panose="020F0502020204030204" pitchFamily="34" charset="0"/>
+              </a:rPr>
+              <a:t> and the only difference is that it makes the call before and after every Method. It has only two methods in it</a:t>
+            </a:r>
+            <a:r>
+              <a:rPr lang="en-US" dirty="0" smtClean="0">
+                <a:latin typeface="Calibri" panose="020F0502020204030204" pitchFamily="34" charset="0"/>
+              </a:rPr>
+              <a:t>.</a:t>
+            </a:r>
+            <a:endParaRPr lang="en-US" dirty="0">
+              <a:latin typeface="Calibri" panose="020F0502020204030204" pitchFamily="34" charset="0"/>
+            </a:endParaRPr>
+          </a:p>
+          <a:p>
+            <a:pPr marL="342900" indent="-342900">
+              <a:lnSpc>
+                <a:spcPct val="150000"/>
+              </a:lnSpc>
+              <a:buFont typeface="Wingdings" panose="05000000000000000000" pitchFamily="2" charset="2"/>
+              <a:buChar char="Ø"/>
+            </a:pPr>
+            <a:r>
+              <a:rPr lang="en-US" b="1" dirty="0" err="1">
+                <a:latin typeface="Calibri" panose="020F0502020204030204" pitchFamily="34" charset="0"/>
+              </a:rPr>
+              <a:t>afterInvocattion</a:t>
+            </a:r>
+            <a:r>
+              <a:rPr lang="en-US" b="1" dirty="0">
+                <a:latin typeface="Calibri" panose="020F0502020204030204" pitchFamily="34" charset="0"/>
+              </a:rPr>
+              <a:t>()</a:t>
+            </a:r>
+            <a:r>
+              <a:rPr lang="en-US" dirty="0">
+                <a:latin typeface="Calibri" panose="020F0502020204030204" pitchFamily="34" charset="0"/>
+              </a:rPr>
+              <a:t>: Invoke after each </a:t>
+            </a:r>
+            <a:r>
+              <a:rPr lang="en-US" dirty="0" smtClean="0">
+                <a:latin typeface="Calibri" panose="020F0502020204030204" pitchFamily="34" charset="0"/>
+              </a:rPr>
+              <a:t>method</a:t>
+            </a:r>
+            <a:endParaRPr lang="en-US" dirty="0">
+              <a:latin typeface="Calibri" panose="020F0502020204030204" pitchFamily="34" charset="0"/>
+            </a:endParaRPr>
+          </a:p>
+          <a:p>
+            <a:pPr marL="342900" indent="-342900">
+              <a:lnSpc>
+                <a:spcPct val="150000"/>
+              </a:lnSpc>
+              <a:buFont typeface="Wingdings" panose="05000000000000000000" pitchFamily="2" charset="2"/>
+              <a:buChar char="Ø"/>
+            </a:pPr>
+            <a:r>
+              <a:rPr lang="en-US" b="1" dirty="0" err="1">
+                <a:latin typeface="Calibri" panose="020F0502020204030204" pitchFamily="34" charset="0"/>
+              </a:rPr>
+              <a:t>beforeInvocation</a:t>
+            </a:r>
+            <a:r>
+              <a:rPr lang="en-US" b="1" dirty="0">
+                <a:latin typeface="Calibri" panose="020F0502020204030204" pitchFamily="34" charset="0"/>
+              </a:rPr>
+              <a:t>()</a:t>
+            </a:r>
+            <a:r>
+              <a:rPr lang="en-US" dirty="0">
+                <a:latin typeface="Calibri" panose="020F0502020204030204" pitchFamily="34" charset="0"/>
+              </a:rPr>
+              <a:t>: Invoke before each method</a:t>
+            </a:r>
+            <a:endParaRPr lang="en-US" dirty="0">
+              <a:latin typeface="Calibri" panose="020F0502020204030204" pitchFamily="34" charset="0"/>
+            </a:endParaRPr>
+          </a:p>
+        </p:txBody>
+      </p:sp>
+      <p:pic>
+        <p:nvPicPr>
+          <p:cNvPr id="5" name="Picture 4"/>
+          <p:cNvPicPr>
+            <a:picLocks noChangeAspect="1"/>
+          </p:cNvPicPr>
+          <p:nvPr/>
+        </p:nvPicPr>
+        <p:blipFill rotWithShape="1">
+          <a:blip r:embed="rId2"/>
+          <a:srcRect l="10027" t="22632" r="30745" b="27895"/>
+          <a:stretch/>
+        </p:blipFill>
+        <p:spPr>
+          <a:xfrm>
+            <a:off x="429360" y="5950040"/>
+            <a:ext cx="1592624" cy="470775"/>
+          </a:xfrm>
+          <a:prstGeom prst="rect">
+            <a:avLst/>
+          </a:prstGeom>
+          <a:solidFill>
+            <a:srgbClr val="FFFFFF">
+              <a:shade val="85000"/>
+            </a:srgbClr>
+          </a:solidFill>
+          <a:ln w="101600" cap="sq">
+            <a:solidFill>
+              <a:srgbClr val="FDFDFD"/>
+            </a:solidFill>
+            <a:miter lim="800000"/>
+          </a:ln>
+          <a:effectLst>
+            <a:outerShdw blurRad="57150" dist="37500" dir="7560000" sy="98000" kx="110000" ky="200000" algn="tl" rotWithShape="0">
+              <a:srgbClr val="000000">
+                <a:alpha val="20000"/>
+              </a:srgbClr>
+            </a:outerShdw>
+          </a:effectLst>
+          <a:scene3d>
+            <a:camera prst="perspectiveRelaxed">
+              <a:rot lat="18960000" lon="0" rev="0"/>
+            </a:camera>
+            <a:lightRig rig="twoPt" dir="t">
+              <a:rot lat="0" lon="0" rev="7200000"/>
+            </a:lightRig>
+          </a:scene3d>
+          <a:sp3d prstMaterial="matte">
+            <a:bevelT w="22860" h="12700"/>
+            <a:contourClr>
+              <a:srgbClr val="FFFFFF"/>
+            </a:contourClr>
+          </a:sp3d>
+        </p:spPr>
+      </p:pic>
+    </p:spTree>
+    <p:extLst>
+      <p:ext uri="{BB962C8B-B14F-4D97-AF65-F5344CB8AC3E}">
+        <p14:creationId xmlns:p14="http://schemas.microsoft.com/office/powerpoint/2010/main" val="455382928"/>
+      </p:ext>
+    </p:extLst>
+  </p:cSld>
+  <p:clrMapOvr>
+    <a:masterClrMapping/>
+  </p:clrMapOvr>
+  <p:timing>
+    <p:tnLst>
+      <p:par>
+        <p:cTn id="1" dur="indefinite" restart="never" nodeType="tmRoot"/>
+      </p:par>
+    </p:tnLst>
+  </p:timing>
+</p:sld>
+</file>
+
+<file path=ppt/slides/slide23.xml><?xml version="1.0" encoding="utf-8"?>
+<p:sld xmlns:a="http://schemas.openxmlformats.org/drawingml/2006/main" xmlns:r="http://schemas.openxmlformats.org/officeDocument/2006/relationships" xmlns:p="http://schemas.openxmlformats.org/presentationml/2006/main">
+  <p:cSld>
+    <p:spTree>
+      <p:nvGrpSpPr>
+        <p:cNvPr id="1" name=""/>
+        <p:cNvGrpSpPr/>
+        <p:nvPr/>
+      </p:nvGrpSpPr>
+      <p:grpSpPr>
+        <a:xfrm>
+          <a:off x="0" y="0"/>
+          <a:ext cx="0" cy="0"/>
+          <a:chOff x="0" y="0"/>
+          <a:chExt cx="0" cy="0"/>
+        </a:xfrm>
+      </p:grpSpPr>
+      <p:sp>
+        <p:nvSpPr>
+          <p:cNvPr id="2" name="Title 1"/>
+          <p:cNvSpPr>
+            <a:spLocks noGrp="1"/>
+          </p:cNvSpPr>
+          <p:nvPr>
+            <p:ph type="ctrTitle"/>
+          </p:nvPr>
+        </p:nvSpPr>
+        <p:spPr>
+          <a:xfrm>
             <a:off x="429361" y="629156"/>
             <a:ext cx="8341152" cy="1078992"/>
           </a:xfrm>
@@ -36558,7 +40562,7 @@
 </p:sld>
 </file>
 
-<file path=ppt/slides/slide19.xml><?xml version="1.0" encoding="utf-8"?>
+<file path=ppt/slides/slide24.xml><?xml version="1.0" encoding="utf-8"?>
 <p:sld xmlns:a="http://schemas.openxmlformats.org/drawingml/2006/main" xmlns:r="http://schemas.openxmlformats.org/officeDocument/2006/relationships" xmlns:p="http://schemas.openxmlformats.org/presentationml/2006/main">
   <p:cSld>
     <p:spTree>
@@ -36788,249 +40792,7 @@
 </p:sld>
 </file>
 
-<file path=ppt/slides/slide2.xml><?xml version="1.0" encoding="utf-8"?>
-<p:sld xmlns:a="http://schemas.openxmlformats.org/drawingml/2006/main" xmlns:r="http://schemas.openxmlformats.org/officeDocument/2006/relationships" xmlns:p="http://schemas.openxmlformats.org/presentationml/2006/main">
-  <p:cSld>
-    <p:spTree>
-      <p:nvGrpSpPr>
-        <p:cNvPr id="1" name=""/>
-        <p:cNvGrpSpPr/>
-        <p:nvPr/>
-      </p:nvGrpSpPr>
-      <p:grpSpPr>
-        <a:xfrm>
-          <a:off x="0" y="0"/>
-          <a:ext cx="0" cy="0"/>
-          <a:chOff x="0" y="0"/>
-          <a:chExt cx="0" cy="0"/>
-        </a:xfrm>
-      </p:grpSpPr>
-      <p:sp>
-        <p:nvSpPr>
-          <p:cNvPr id="2" name="Title 1"/>
-          <p:cNvSpPr>
-            <a:spLocks noGrp="1"/>
-          </p:cNvSpPr>
-          <p:nvPr>
-            <p:ph type="ctrTitle"/>
-          </p:nvPr>
-        </p:nvSpPr>
-        <p:spPr>
-          <a:xfrm>
-            <a:off x="429361" y="502156"/>
-            <a:ext cx="8366908" cy="1078992"/>
-          </a:xfrm>
-        </p:spPr>
-        <p:txBody>
-          <a:bodyPr/>
-          <a:lstStyle/>
-          <a:p>
-            <a:r>
-              <a:rPr lang="en-US" sz="2800" dirty="0" smtClean="0">
-                <a:latin typeface="Calibri" panose="020F0502020204030204" pitchFamily="34" charset="0"/>
-              </a:rPr>
-              <a:t>Agenda</a:t>
-            </a:r>
-            <a:endParaRPr lang="en-US" sz="2800" dirty="0">
-              <a:latin typeface="Calibri" panose="020F0502020204030204" pitchFamily="34" charset="0"/>
-            </a:endParaRPr>
-          </a:p>
-        </p:txBody>
-      </p:sp>
-      <p:sp>
-        <p:nvSpPr>
-          <p:cNvPr id="3" name="Subtitle 2"/>
-          <p:cNvSpPr>
-            <a:spLocks noGrp="1"/>
-          </p:cNvSpPr>
-          <p:nvPr>
-            <p:ph type="subTitle" idx="1"/>
-          </p:nvPr>
-        </p:nvSpPr>
-        <p:spPr>
-          <a:xfrm>
-            <a:off x="429360" y="1820572"/>
-            <a:ext cx="8366909" cy="4129468"/>
-          </a:xfrm>
-        </p:spPr>
-        <p:txBody>
-          <a:bodyPr/>
-          <a:lstStyle/>
-          <a:p>
-            <a:pPr marL="342900" indent="-342900">
-              <a:lnSpc>
-                <a:spcPct val="150000"/>
-              </a:lnSpc>
-              <a:buFont typeface="Wingdings" panose="05000000000000000000" pitchFamily="2" charset="2"/>
-              <a:buChar char="Ø"/>
-            </a:pPr>
-            <a:r>
-              <a:rPr lang="en-US" dirty="0">
-                <a:latin typeface="Calibri" panose="020F0502020204030204" pitchFamily="34" charset="0"/>
-              </a:rPr>
-              <a:t>TestNG Overview</a:t>
-            </a:r>
-          </a:p>
-          <a:p>
-            <a:pPr marL="342900" indent="-342900">
-              <a:lnSpc>
-                <a:spcPct val="150000"/>
-              </a:lnSpc>
-              <a:buFont typeface="Wingdings" panose="05000000000000000000" pitchFamily="2" charset="2"/>
-              <a:buChar char="Ø"/>
-            </a:pPr>
-            <a:r>
-              <a:rPr lang="en-US" dirty="0">
-                <a:latin typeface="Calibri" panose="020F0502020204030204" pitchFamily="34" charset="0"/>
-              </a:rPr>
-              <a:t>TestNG Plugins for Eclipse</a:t>
-            </a:r>
-          </a:p>
-          <a:p>
-            <a:pPr marL="342900" indent="-342900">
-              <a:lnSpc>
-                <a:spcPct val="150000"/>
-              </a:lnSpc>
-              <a:buFont typeface="Wingdings" panose="05000000000000000000" pitchFamily="2" charset="2"/>
-              <a:buChar char="Ø"/>
-            </a:pPr>
-            <a:r>
-              <a:rPr lang="en-US" dirty="0">
-                <a:latin typeface="Calibri" panose="020F0502020204030204" pitchFamily="34" charset="0"/>
-              </a:rPr>
-              <a:t>TestNG Maven Dependency</a:t>
-            </a:r>
-          </a:p>
-          <a:p>
-            <a:pPr marL="342900" indent="-342900">
-              <a:lnSpc>
-                <a:spcPct val="150000"/>
-              </a:lnSpc>
-              <a:buFont typeface="Wingdings" panose="05000000000000000000" pitchFamily="2" charset="2"/>
-              <a:buChar char="Ø"/>
-            </a:pPr>
-            <a:r>
-              <a:rPr lang="en-US" dirty="0">
-                <a:latin typeface="Calibri" panose="020F0502020204030204" pitchFamily="34" charset="0"/>
-              </a:rPr>
-              <a:t>TestNG Annotations</a:t>
-            </a:r>
-          </a:p>
-          <a:p>
-            <a:pPr marL="342900" indent="-342900">
-              <a:lnSpc>
-                <a:spcPct val="150000"/>
-              </a:lnSpc>
-              <a:buFont typeface="Wingdings" panose="05000000000000000000" pitchFamily="2" charset="2"/>
-              <a:buChar char="Ø"/>
-            </a:pPr>
-            <a:r>
-              <a:rPr lang="en-US" dirty="0">
-                <a:latin typeface="Calibri" panose="020F0502020204030204" pitchFamily="34" charset="0"/>
-              </a:rPr>
-              <a:t>TestNG XML</a:t>
-            </a:r>
-          </a:p>
-          <a:p>
-            <a:pPr marL="342900" indent="-342900">
-              <a:lnSpc>
-                <a:spcPct val="150000"/>
-              </a:lnSpc>
-              <a:buFont typeface="Wingdings" panose="05000000000000000000" pitchFamily="2" charset="2"/>
-              <a:buChar char="Ø"/>
-            </a:pPr>
-            <a:r>
-              <a:rPr lang="en-US" dirty="0">
-                <a:latin typeface="Calibri" panose="020F0502020204030204" pitchFamily="34" charset="0"/>
-              </a:rPr>
-              <a:t>TestNG with Selenium</a:t>
-            </a:r>
-          </a:p>
-          <a:p>
-            <a:pPr marL="342900" indent="-342900">
-              <a:lnSpc>
-                <a:spcPct val="150000"/>
-              </a:lnSpc>
-              <a:buFont typeface="Wingdings" panose="05000000000000000000" pitchFamily="2" charset="2"/>
-              <a:buChar char="Ø"/>
-            </a:pPr>
-            <a:r>
-              <a:rPr lang="en-US" dirty="0">
-                <a:latin typeface="Calibri" panose="020F0502020204030204" pitchFamily="34" charset="0"/>
-              </a:rPr>
-              <a:t>TestNG Parameters and Data Provider</a:t>
-            </a:r>
-          </a:p>
-          <a:p>
-            <a:pPr marL="342900" indent="-342900">
-              <a:lnSpc>
-                <a:spcPct val="150000"/>
-              </a:lnSpc>
-              <a:buFont typeface="Wingdings" panose="05000000000000000000" pitchFamily="2" charset="2"/>
-              <a:buChar char="Ø"/>
-            </a:pPr>
-            <a:r>
-              <a:rPr lang="en-US" dirty="0">
-                <a:latin typeface="Calibri" panose="020F0502020204030204" pitchFamily="34" charset="0"/>
-              </a:rPr>
-              <a:t>TestNG Parallel Execution and Cross Browser Testing</a:t>
-            </a:r>
-          </a:p>
-        </p:txBody>
-      </p:sp>
-      <p:pic>
-        <p:nvPicPr>
-          <p:cNvPr id="5" name="Picture 4"/>
-          <p:cNvPicPr>
-            <a:picLocks noChangeAspect="1"/>
-          </p:cNvPicPr>
-          <p:nvPr/>
-        </p:nvPicPr>
-        <p:blipFill>
-          <a:blip r:embed="rId2">
-            <a:duotone>
-              <a:schemeClr val="accent2">
-                <a:shade val="45000"/>
-                <a:satMod val="135000"/>
-              </a:schemeClr>
-              <a:prstClr val="white"/>
-            </a:duotone>
-          </a:blip>
-          <a:stretch>
-            <a:fillRect/>
-          </a:stretch>
-        </p:blipFill>
-        <p:spPr>
-          <a:xfrm>
-            <a:off x="5177392" y="1157299"/>
-            <a:ext cx="2540000" cy="3225800"/>
-          </a:xfrm>
-          <a:prstGeom prst="rect">
-            <a:avLst/>
-          </a:prstGeom>
-        </p:spPr>
-      </p:pic>
-    </p:spTree>
-    <p:extLst>
-      <p:ext uri="{BB962C8B-B14F-4D97-AF65-F5344CB8AC3E}">
-        <p14:creationId xmlns:p14="http://schemas.microsoft.com/office/powerpoint/2010/main" val="646076536"/>
-      </p:ext>
-    </p:extLst>
-  </p:cSld>
-  <p:clrMapOvr>
-    <a:masterClrMapping/>
-  </p:clrMapOvr>
-  <p:timing>
-    <p:tnLst>
-      <p:par>
-        <p:cTn id="1" dur="indefinite" restart="never" nodeType="tmRoot"/>
-      </p:par>
-    </p:tnLst>
-  </p:timing>
-</p:sld>
-</file>
-
-<file path=ppt/slides/slide20.xml><?xml version="1.0" encoding="utf-8"?>
+<file path=ppt/slides/slide25.xml><?xml version="1.0" encoding="utf-8"?>
 <p:sld xmlns:a="http://schemas.openxmlformats.org/drawingml/2006/main" xmlns:r="http://schemas.openxmlformats.org/officeDocument/2006/relationships" xmlns:p="http://schemas.openxmlformats.org/presentationml/2006/main">
   <p:cSld>
     <p:spTree>
@@ -39916,12 +43678,6 @@
 </file>
 
 <file path=customXml/item1.xml><?xml version="1.0" encoding="utf-8"?>
-<p:properties xmlns:p="http://schemas.microsoft.com/office/2006/metadata/properties" xmlns:xsi="http://www.w3.org/2001/XMLSchema-instance" xmlns:pc="http://schemas.microsoft.com/office/infopath/2007/PartnerControls">
-  <documentManagement/>
-</p:properties>
-</file>
-
-<file path=customXml/item2.xml><?xml version="1.0" encoding="utf-8"?>
 <ct:contentTypeSchema xmlns:ct="http://schemas.microsoft.com/office/2006/metadata/contentType" xmlns:ma="http://schemas.microsoft.com/office/2006/metadata/properties/metaAttributes" ct:_="" ma:_="" ma:contentTypeName="Document" ma:contentTypeID="0x010100637BD7055CDF5640B7E574807C110023" ma:contentTypeVersion="0" ma:contentTypeDescription="Create a new document." ma:contentTypeScope="" ma:versionID="59c664a77e394d52e06e3a0d0b5b9268">
   <xsd:schema xmlns:xsd="http://www.w3.org/2001/XMLSchema" xmlns:xs="http://www.w3.org/2001/XMLSchema" xmlns:p="http://schemas.microsoft.com/office/2006/metadata/properties" targetNamespace="http://schemas.microsoft.com/office/2006/metadata/properties" ma:root="true" ma:fieldsID="c64490b4aec6201516c3a874156f37b2">
     <xsd:element name="properties">
@@ -40035,6 +43791,12 @@
 </ct:contentTypeSchema>
 </file>
 
+<file path=customXml/item2.xml><?xml version="1.0" encoding="utf-8"?>
+<p:properties xmlns:p="http://schemas.microsoft.com/office/2006/metadata/properties" xmlns:xsi="http://www.w3.org/2001/XMLSchema-instance" xmlns:pc="http://schemas.microsoft.com/office/infopath/2007/PartnerControls">
+  <documentManagement/>
+</p:properties>
+</file>
+
 <file path=customXml/item3.xml><?xml version="1.0" encoding="utf-8"?>
 <?mso-contentType ?>
 <FormTemplates xmlns="http://schemas.microsoft.com/sharepoint/v3/contenttype/forms">
@@ -40045,21 +43807,6 @@
 </file>
 
 <file path=customXml/itemProps1.xml><?xml version="1.0" encoding="utf-8"?>
-<ds:datastoreItem xmlns:ds="http://schemas.openxmlformats.org/officeDocument/2006/customXml" ds:itemID="{B81B82D1-690E-48C2-B55B-78E0ACF04970}">
-  <ds:schemaRefs>
-    <ds:schemaRef ds:uri="http://www.w3.org/XML/1998/namespace"/>
-    <ds:schemaRef ds:uri="http://schemas.openxmlformats.org/package/2006/metadata/core-properties"/>
-    <ds:schemaRef ds:uri="http://schemas.microsoft.com/office/2006/metadata/properties"/>
-    <ds:schemaRef ds:uri="http://purl.org/dc/dcmitype/"/>
-    <ds:schemaRef ds:uri="http://purl.org/dc/elements/1.1/"/>
-    <ds:schemaRef ds:uri="http://schemas.microsoft.com/office/2006/documentManagement/types"/>
-    <ds:schemaRef ds:uri="http://schemas.microsoft.com/office/infopath/2007/PartnerControls"/>
-    <ds:schemaRef ds:uri="http://purl.org/dc/terms/"/>
-  </ds:schemaRefs>
-</ds:datastoreItem>
-</file>
-
-<file path=customXml/itemProps2.xml><?xml version="1.0" encoding="utf-8"?>
 <ds:datastoreItem xmlns:ds="http://schemas.openxmlformats.org/officeDocument/2006/customXml" ds:itemID="{24FE1CAF-FF6D-4576-BFC8-F72928ADE247}">
   <ds:schemaRefs>
     <ds:schemaRef ds:uri="http://schemas.microsoft.com/office/2006/metadata/contentType"/>
@@ -40075,6 +43822,21 @@
 </ds:datastoreItem>
 </file>
 
+<file path=customXml/itemProps2.xml><?xml version="1.0" encoding="utf-8"?>
+<ds:datastoreItem xmlns:ds="http://schemas.openxmlformats.org/officeDocument/2006/customXml" ds:itemID="{B81B82D1-690E-48C2-B55B-78E0ACF04970}">
+  <ds:schemaRefs>
+    <ds:schemaRef ds:uri="http://www.w3.org/XML/1998/namespace"/>
+    <ds:schemaRef ds:uri="http://schemas.openxmlformats.org/package/2006/metadata/core-properties"/>
+    <ds:schemaRef ds:uri="http://schemas.microsoft.com/office/2006/metadata/properties"/>
+    <ds:schemaRef ds:uri="http://purl.org/dc/dcmitype/"/>
+    <ds:schemaRef ds:uri="http://purl.org/dc/elements/1.1/"/>
+    <ds:schemaRef ds:uri="http://schemas.microsoft.com/office/2006/documentManagement/types"/>
+    <ds:schemaRef ds:uri="http://schemas.microsoft.com/office/infopath/2007/PartnerControls"/>
+    <ds:schemaRef ds:uri="http://purl.org/dc/terms/"/>
+  </ds:schemaRefs>
+</ds:datastoreItem>
+</file>
+
 <file path=customXml/itemProps3.xml><?xml version="1.0" encoding="utf-8"?>
 <ds:datastoreItem xmlns:ds="http://schemas.openxmlformats.org/officeDocument/2006/customXml" ds:itemID="{AA97E0EA-0A19-4577-8C96-E093F4733B7E}">
   <ds:schemaRefs>
